--- a/Courses/Applied-Programmer/Programming-Fundamentals/02-Типове-данни/08.Типове-данни-текстов-и-обектен-тип.pptx
+++ b/Courses/Applied-Programmer/Programming-Fundamentals/02-Типове-данни/08.Типове-данни-текстов-и-обектен-тип.pptx
@@ -208,20 +208,6 @@
 </p:cmAuthorLst>
 </file>
 
-<file path=ppt/comments/comment1.xml><?xml version="1.0" encoding="utf-8"?>
-<p:cmLst xmlns:a="http://schemas.openxmlformats.org/drawingml/2006/main" xmlns:r="http://schemas.openxmlformats.org/officeDocument/2006/relationships" xmlns:p="http://schemas.openxmlformats.org/presentationml/2006/main">
-  <p:cm authorId="1" dt="2018-01-15T00:06:48.933" idx="2">
-    <p:pos x="10" y="10"/>
-    <p:text>1 мин</p:text>
-    <p:extLst>
-      <p:ext uri="{C676402C-5697-4E1C-873F-D02D1690AC5C}">
-        <p15:threadingInfo xmlns:p15="http://schemas.microsoft.com/office/powerpoint/2012/main" timeZoneBias="-120"/>
-      </p:ext>
-    </p:extLst>
-  </p:cm>
-</p:cmLst>
-</file>
-
 <file path=ppt/handoutMasters/handoutMaster1.xml><?xml version="1.0" encoding="utf-8"?>
 <p:handoutMaster xmlns:a="http://schemas.openxmlformats.org/drawingml/2006/main" xmlns:r="http://schemas.openxmlformats.org/officeDocument/2006/relationships" xmlns:p="http://schemas.openxmlformats.org/presentationml/2006/main">
   <p:cSld>
@@ -379,7 +365,7 @@
             <a:fld id="{FE5B4EDC-59C0-49C7-8ADA-5A781B329E02}" type="datetimeFigureOut">
               <a:rPr lang="en-US"/>
               <a:pPr/>
-              <a:t>16-Dec-19</a:t>
+              <a:t>10-Nov-20</a:t>
             </a:fld>
             <a:endParaRPr dirty="0"/>
           </a:p>
@@ -677,7 +663,7 @@
             <a:fld id="{F2D8D46A-B586-417D-BFBD-8C8FE0AAF762}" type="datetimeFigureOut">
               <a:rPr lang="en-US" smtClean="0"/>
               <a:pPr/>
-              <a:t>16-Dec-19</a:t>
+              <a:t>10-Nov-20</a:t>
             </a:fld>
             <a:endParaRPr lang="en-US" dirty="0"/>
           </a:p>
@@ -4932,7 +4918,12 @@
             <p:ph idx="1"/>
           </p:nvPr>
         </p:nvSpPr>
-        <p:spPr/>
+        <p:spPr>
+          <a:xfrm>
+            <a:off x="190413" y="1066801"/>
+            <a:ext cx="11804822" cy="5654676"/>
+          </a:xfrm>
+        </p:spPr>
         <p:txBody>
           <a:bodyPr>
             <a:normAutofit/>
@@ -5629,8 +5620,8 @@
         </p:blipFill>
         <p:spPr bwMode="auto">
           <a:xfrm>
-            <a:off x="8559059" y="1385277"/>
-            <a:ext cx="3250353" cy="672123"/>
+            <a:off x="8756755" y="1308809"/>
+            <a:ext cx="2954866" cy="611021"/>
           </a:xfrm>
           <a:prstGeom prst="rect">
             <a:avLst/>
@@ -6039,7 +6030,7 @@
                   </a:schemeClr>
                 </a:solidFill>
               </a:rPr>
-              <a:t>Variable Scope)</a:t>
+              <a:t>variable scope)</a:t>
             </a:r>
             <a:r>
               <a:rPr lang="bg-BG" sz="3000" dirty="0">
@@ -6123,7 +6114,7 @@
                   </a:schemeClr>
                 </a:solidFill>
               </a:rPr>
-              <a:t> (Variable lifetime) </a:t>
+              <a:t> (variable lifetime) </a:t>
             </a:r>
             <a:r>
               <a:rPr lang="en-GB" sz="3000" dirty="0"/>
@@ -6179,7 +6170,7 @@
         <p:spPr/>
         <p:txBody>
           <a:bodyPr>
-            <a:normAutofit fontScale="90000"/>
+            <a:normAutofit/>
           </a:bodyPr>
           <a:lstStyle/>
           <a:p>
@@ -7216,7 +7207,12 @@
             <p:ph idx="1"/>
           </p:nvPr>
         </p:nvSpPr>
-        <p:spPr/>
+        <p:spPr>
+          <a:xfrm>
+            <a:off x="190413" y="990600"/>
+            <a:ext cx="11804822" cy="5570355"/>
+          </a:xfrm>
+        </p:spPr>
         <p:txBody>
           <a:bodyPr>
             <a:normAutofit/>
@@ -7241,7 +7237,7 @@
                   </a:schemeClr>
                 </a:solidFill>
               </a:rPr>
-              <a:t>Variable span</a:t>
+              <a:t>variable span</a:t>
             </a:r>
             <a:r>
               <a:rPr lang="bg-BG" sz="3200" dirty="0">
@@ -7296,7 +7292,7 @@
         </p:nvSpPr>
         <p:spPr bwMode="auto">
           <a:xfrm>
-            <a:off x="760412" y="2996148"/>
+            <a:off x="760412" y="2843748"/>
             <a:ext cx="10668000" cy="3785652"/>
           </a:xfrm>
           <a:prstGeom prst="rect">
@@ -7849,7 +7845,7 @@
         </p:nvSpPr>
         <p:spPr bwMode="auto">
           <a:xfrm>
-            <a:off x="9034236" y="3200400"/>
+            <a:off x="9034236" y="3048000"/>
             <a:ext cx="2514600" cy="1143000"/>
           </a:xfrm>
           <a:prstGeom prst="wedgeRoundRectCallout">
@@ -7956,7 +7952,7 @@
         </p:nvSpPr>
         <p:spPr>
           <a:xfrm>
-            <a:off x="7923212" y="3581401"/>
+            <a:off x="7923212" y="3429001"/>
             <a:ext cx="565534" cy="2027288"/>
           </a:xfrm>
           <a:custGeom>
@@ -10107,7 +10103,7 @@
         </p:nvSpPr>
         <p:spPr bwMode="auto">
           <a:xfrm>
-            <a:off x="912812" y="2977362"/>
+            <a:off x="912812" y="3053562"/>
             <a:ext cx="10515600" cy="3423438"/>
           </a:xfrm>
           <a:prstGeom prst="rect">
@@ -10860,7 +10856,7 @@
         <p:spPr/>
         <p:txBody>
           <a:bodyPr>
-            <a:normAutofit fontScale="90000"/>
+            <a:normAutofit/>
           </a:bodyPr>
           <a:lstStyle/>
           <a:p>
@@ -10891,7 +10887,7 @@
         <p:spPr bwMode="auto">
           <a:xfrm>
             <a:off x="836612" y="1066800"/>
-            <a:ext cx="10515600" cy="4832092"/>
+            <a:ext cx="10515600" cy="5521576"/>
           </a:xfrm>
           <a:prstGeom prst="rect">
             <a:avLst/>
@@ -10931,7 +10927,7 @@
               <a:buSzPct val="70000"/>
             </a:pPr>
             <a:r>
-              <a:rPr lang="en-GB" sz="2000" b="1" noProof="1">
+              <a:rPr lang="en-GB" sz="2300" b="1" noProof="1">
                 <a:solidFill>
                   <a:schemeClr val="tx2"/>
                 </a:solidFill>
@@ -10962,7 +10958,7 @@
               <a:buSzPct val="70000"/>
             </a:pPr>
             <a:r>
-              <a:rPr lang="en-GB" sz="2000" b="1" noProof="1">
+              <a:rPr lang="en-GB" sz="2300" b="1" noProof="1">
                 <a:solidFill>
                   <a:schemeClr val="tx2"/>
                 </a:solidFill>
@@ -10993,7 +10989,7 @@
               <a:buSzPct val="70000"/>
             </a:pPr>
             <a:r>
-              <a:rPr lang="en-GB" sz="2000" b="1" noProof="1">
+              <a:rPr lang="en-GB" sz="2300" b="1" noProof="1">
                 <a:solidFill>
                   <a:schemeClr val="tx2"/>
                 </a:solidFill>
@@ -11024,7 +11020,7 @@
               <a:buSzPct val="70000"/>
             </a:pPr>
             <a:r>
-              <a:rPr lang="en-GB" sz="2000" b="1" noProof="1">
+              <a:rPr lang="en-GB" sz="2300" b="1" noProof="1">
                 <a:solidFill>
                   <a:schemeClr val="tx2"/>
                 </a:solidFill>
@@ -11055,7 +11051,7 @@
               <a:buSzPct val="70000"/>
             </a:pPr>
             <a:r>
-              <a:rPr lang="en-GB" sz="2000" b="1" noProof="1">
+              <a:rPr lang="en-GB" sz="2300" b="1" noProof="1">
                 <a:solidFill>
                   <a:schemeClr val="tx2"/>
                 </a:solidFill>
@@ -11086,7 +11082,7 @@
               <a:buSzPct val="70000"/>
             </a:pPr>
             <a:r>
-              <a:rPr lang="en-GB" sz="2000" b="1" noProof="1">
+              <a:rPr lang="en-GB" sz="2300" b="1" noProof="1">
                 <a:solidFill>
                   <a:schemeClr val="tx2"/>
                 </a:solidFill>
@@ -11117,7 +11113,7 @@
               <a:buSzPct val="70000"/>
             </a:pPr>
             <a:r>
-              <a:rPr lang="en-GB" sz="2000" b="1" noProof="1">
+              <a:rPr lang="en-GB" sz="2300" b="1" noProof="1">
                 <a:solidFill>
                   <a:schemeClr val="tx2"/>
                 </a:solidFill>
@@ -11148,7 +11144,7 @@
               <a:buSzPct val="70000"/>
             </a:pPr>
             <a:r>
-              <a:rPr lang="en-GB" sz="2000" b="1" noProof="1">
+              <a:rPr lang="en-GB" sz="2300" b="1" noProof="1">
                 <a:solidFill>
                   <a:schemeClr val="tx2"/>
                 </a:solidFill>
@@ -11179,7 +11175,7 @@
               <a:buSzPct val="70000"/>
             </a:pPr>
             <a:r>
-              <a:rPr lang="en-GB" sz="2000" b="1" noProof="1">
+              <a:rPr lang="en-GB" sz="2300" b="1" noProof="1">
                 <a:solidFill>
                   <a:schemeClr val="tx2"/>
                 </a:solidFill>
@@ -11210,7 +11206,7 @@
               <a:buSzPct val="70000"/>
             </a:pPr>
             <a:r>
-              <a:rPr lang="en-GB" sz="2000" b="1" noProof="1">
+              <a:rPr lang="en-GB" sz="2300" b="1" noProof="1">
                 <a:solidFill>
                   <a:schemeClr val="tx2"/>
                 </a:solidFill>
@@ -11241,7 +11237,7 @@
               <a:buSzPct val="70000"/>
             </a:pPr>
             <a:r>
-              <a:rPr lang="en-GB" sz="2000" b="1" noProof="1">
+              <a:rPr lang="en-GB" sz="2300" b="1" noProof="1">
                 <a:solidFill>
                   <a:schemeClr val="tx2"/>
                 </a:solidFill>
@@ -11272,7 +11268,7 @@
               <a:buSzPct val="70000"/>
             </a:pPr>
             <a:r>
-              <a:rPr lang="en-GB" sz="2000" b="1" noProof="1">
+              <a:rPr lang="en-GB" sz="2300" b="1" noProof="1">
                 <a:solidFill>
                   <a:schemeClr val="tx2"/>
                 </a:solidFill>
@@ -11303,7 +11299,7 @@
               <a:buSzPct val="70000"/>
             </a:pPr>
             <a:r>
-              <a:rPr lang="en-GB" sz="2000" b="1" noProof="1">
+              <a:rPr lang="en-GB" sz="2300" b="1" noProof="1">
                 <a:solidFill>
                   <a:schemeClr val="tx2"/>
                 </a:solidFill>
@@ -11334,7 +11330,7 @@
               <a:buSzPct val="70000"/>
             </a:pPr>
             <a:r>
-              <a:rPr lang="en-GB" sz="2000" b="1" noProof="1">
+              <a:rPr lang="en-GB" sz="2300" b="1" noProof="1">
                 <a:solidFill>
                   <a:schemeClr val="tx2"/>
                 </a:solidFill>
@@ -11350,7 +11346,7 @@
               </a:rPr>
               <a:t>}</a:t>
             </a:r>
-            <a:endParaRPr lang="en-US" sz="2000" b="1" noProof="1">
+            <a:endParaRPr lang="en-US" sz="2300" b="1" noProof="1">
               <a:solidFill>
                 <a:schemeClr val="tx2"/>
               </a:solidFill>
@@ -13384,7 +13380,7 @@
         </p:nvSpPr>
         <p:spPr bwMode="auto">
           <a:xfrm>
-            <a:off x="684213" y="4572201"/>
+            <a:off x="695453" y="4759105"/>
             <a:ext cx="6248400" cy="540148"/>
           </a:xfrm>
           <a:prstGeom prst="rect">
@@ -14266,12 +14262,12 @@
         </p:nvSpPr>
         <p:spPr bwMode="auto">
           <a:xfrm>
-            <a:off x="8366182" y="1195101"/>
-            <a:ext cx="3443230" cy="1066800"/>
+            <a:off x="8228012" y="1195101"/>
+            <a:ext cx="3581400" cy="1066800"/>
           </a:xfrm>
           <a:prstGeom prst="wedgeRoundRectCallout">
             <a:avLst>
-              <a:gd name="adj1" fmla="val -73761"/>
+              <a:gd name="adj1" fmla="val -66206"/>
               <a:gd name="adj2" fmla="val 43359"/>
               <a:gd name="adj3" fmla="val 16667"/>
             </a:avLst>
@@ -14391,7 +14387,7 @@
                   </a:outerShdw>
                 </a:effectLst>
               </a:rPr>
-              <a:t>се екранира от</a:t>
+              <a:t>се екранира с</a:t>
             </a:r>
             <a:r>
               <a:rPr lang="en-US" sz="2800" dirty="0">
@@ -14560,13 +14556,13 @@
         </p:nvSpPr>
         <p:spPr bwMode="auto">
           <a:xfrm>
-            <a:off x="9142412" y="2438400"/>
-            <a:ext cx="2852822" cy="1384369"/>
+            <a:off x="9197225" y="2613423"/>
+            <a:ext cx="2514600" cy="1384369"/>
           </a:xfrm>
           <a:prstGeom prst="wedgeRoundRectCallout">
             <a:avLst>
-              <a:gd name="adj1" fmla="val -68987"/>
-              <a:gd name="adj2" fmla="val 43489"/>
+              <a:gd name="adj1" fmla="val -84942"/>
+              <a:gd name="adj2" fmla="val 21921"/>
               <a:gd name="adj3" fmla="val 16667"/>
             </a:avLst>
           </a:prstGeom>
@@ -16054,7 +16050,12 @@
             <p:ph idx="1"/>
           </p:nvPr>
         </p:nvSpPr>
-        <p:spPr/>
+        <p:spPr>
+          <a:xfrm>
+            <a:off x="190413" y="1066800"/>
+            <a:ext cx="11804822" cy="5570355"/>
+          </a:xfrm>
+        </p:spPr>
         <p:txBody>
           <a:bodyPr>
             <a:normAutofit/>
@@ -16129,7 +16130,7 @@
         </p:nvSpPr>
         <p:spPr bwMode="auto">
           <a:xfrm>
-            <a:off x="836612" y="2955140"/>
+            <a:off x="836612" y="2870819"/>
             <a:ext cx="10515600" cy="3640997"/>
           </a:xfrm>
           <a:prstGeom prst="rect">
@@ -16786,35 +16787,64 @@
           <a:lstStyle/>
           <a:p>
             <a:r>
-              <a:rPr lang="bg-BG" sz="2900" dirty="0"/>
-              <a:t>Декларирайте  две променливи от тип </a:t>
-            </a:r>
-            <a:r>
-              <a:rPr lang="en-US" sz="2900" dirty="0"/>
+              <a:rPr lang="bg-BG" sz="3000" dirty="0"/>
+              <a:t>Декларирайте две </a:t>
+            </a:r>
+            <a:r>
+              <a:rPr lang="en-US" sz="3000" b="1" dirty="0">
+                <a:solidFill>
+                  <a:schemeClr val="tx2">
+                    <a:lumMod val="75000"/>
+                  </a:schemeClr>
+                </a:solidFill>
+                <a:latin typeface="Consolas" panose="020B0609020204030204" pitchFamily="49" charset="0"/>
+              </a:rPr>
               <a:t>string</a:t>
             </a:r>
             <a:r>
-              <a:rPr lang="bg-BG" sz="2900" dirty="0"/>
-              <a:t> и им присвоете стойност</a:t>
-            </a:r>
-            <a:r>
-              <a:rPr lang="en-US" sz="2900" dirty="0"/>
-              <a:t>, </a:t>
-            </a:r>
-            <a:r>
-              <a:rPr lang="bg-BG" sz="2900" dirty="0"/>
-              <a:t>в променлива от тип </a:t>
-            </a:r>
-            <a:r>
-              <a:rPr lang="en-US" sz="2900" dirty="0"/>
+              <a:rPr lang="en-US" sz="3000" dirty="0"/>
+              <a:t> </a:t>
+            </a:r>
+            <a:r>
+              <a:rPr lang="bg-BG" sz="3000" dirty="0"/>
+              <a:t>променливи и им задайте стойности</a:t>
+            </a:r>
+          </a:p>
+          <a:p>
+            <a:r>
+              <a:rPr lang="bg-BG" sz="3000" dirty="0"/>
+              <a:t>В променлива от тип </a:t>
+            </a:r>
+            <a:r>
+              <a:rPr lang="en-US" sz="3000" b="1" dirty="0">
+                <a:solidFill>
+                  <a:schemeClr val="tx2">
+                    <a:lumMod val="75000"/>
+                  </a:schemeClr>
+                </a:solidFill>
+                <a:latin typeface="Consolas" panose="020B0609020204030204" pitchFamily="49" charset="0"/>
+              </a:rPr>
               <a:t>object</a:t>
             </a:r>
             <a:r>
-              <a:rPr lang="bg-BG" sz="2900" dirty="0"/>
-              <a:t> присвоете резултата от слепянето на двете променливи, а от там прехвърлете на друга променлива от тип </a:t>
-            </a:r>
-            <a:r>
-              <a:rPr lang="en-US" sz="2900" dirty="0"/>
+              <a:rPr lang="bg-BG" sz="3000" dirty="0"/>
+              <a:t> присвоете резултата от слепянето на двете променливи</a:t>
+            </a:r>
+          </a:p>
+          <a:p>
+            <a:r>
+              <a:rPr lang="bg-BG" sz="3000" dirty="0"/>
+              <a:t>От там прехвърлете на друга променлива от тип </a:t>
+            </a:r>
+            <a:r>
+              <a:rPr lang="en-US" sz="3000" b="1" dirty="0">
+                <a:solidFill>
+                  <a:schemeClr val="tx2">
+                    <a:lumMod val="75000"/>
+                  </a:schemeClr>
+                </a:solidFill>
+                <a:latin typeface="Consolas" panose="020B0609020204030204" pitchFamily="49" charset="0"/>
+              </a:rPr>
               <a:t>string</a:t>
             </a:r>
           </a:p>
@@ -16864,8 +16894,8 @@
         </p:nvSpPr>
         <p:spPr bwMode="auto">
           <a:xfrm>
-            <a:off x="836612" y="2955140"/>
-            <a:ext cx="10515600" cy="2246769"/>
+            <a:off x="836612" y="3753076"/>
+            <a:ext cx="10515600" cy="2419124"/>
           </a:xfrm>
           <a:prstGeom prst="rect">
             <a:avLst/>
@@ -16892,52 +16922,154 @@
           </a:bodyPr>
           <a:lstStyle/>
           <a:p>
-            <a:r>
-              <a:rPr lang="en-US" sz="2800" dirty="0"/>
-              <a:t> string a = "Hello";</a:t>
-            </a:r>
-          </a:p>
-          <a:p>
-            <a:r>
-              <a:rPr lang="en-US" sz="2800" dirty="0"/>
-              <a:t> string b = "World";</a:t>
-            </a:r>
-          </a:p>
-          <a:p>
-            <a:r>
-              <a:rPr lang="en-US" sz="2800" dirty="0"/>
-              <a:t> object c = a + " " + b;</a:t>
-            </a:r>
-          </a:p>
-          <a:p>
-            <a:r>
-              <a:rPr lang="en-US" sz="2800" dirty="0"/>
-              <a:t> string d = (string) c;</a:t>
-            </a:r>
-          </a:p>
-          <a:p>
-            <a:r>
-              <a:rPr lang="en-US" sz="2800" dirty="0" err="1"/>
-              <a:t>Console.WriteLine</a:t>
-            </a:r>
-            <a:r>
-              <a:rPr lang="en-US" sz="2800" dirty="0"/>
-              <a:t>(d);</a:t>
-            </a:r>
-            <a:endParaRPr lang="en-US" sz="2800" b="1" noProof="1">
-              <a:solidFill>
-                <a:schemeClr val="tx2"/>
-              </a:solidFill>
-              <a:effectLst>
-                <a:outerShdw blurRad="38100" dist="38100" dir="2700000" algn="tl">
-                  <a:srgbClr val="000000">
-                    <a:alpha val="43137"/>
-                  </a:srgbClr>
-                </a:outerShdw>
-              </a:effectLst>
-              <a:latin typeface="Consolas" pitchFamily="49" charset="0"/>
-              <a:cs typeface="Consolas" pitchFamily="49" charset="0"/>
-            </a:endParaRPr>
+            <a:pPr eaLnBrk="0" hangingPunct="0">
+              <a:lnSpc>
+                <a:spcPct val="110000"/>
+              </a:lnSpc>
+              <a:buClr>
+                <a:schemeClr val="accent5">
+                  <a:lumMod val="40000"/>
+                  <a:lumOff val="60000"/>
+                </a:schemeClr>
+              </a:buClr>
+              <a:buSzPct val="70000"/>
+            </a:pPr>
+            <a:r>
+              <a:rPr lang="en-US" sz="2800" b="1" noProof="1">
+                <a:solidFill>
+                  <a:schemeClr val="tx2"/>
+                </a:solidFill>
+                <a:effectLst>
+                  <a:outerShdw blurRad="38100" dist="38100" dir="2700000" algn="tl">
+                    <a:srgbClr val="000000">
+                      <a:alpha val="43137"/>
+                    </a:srgbClr>
+                  </a:outerShdw>
+                </a:effectLst>
+                <a:latin typeface="Consolas" pitchFamily="49" charset="0"/>
+              </a:rPr>
+              <a:t>string a = "Hello";</a:t>
+            </a:r>
+          </a:p>
+          <a:p>
+            <a:pPr eaLnBrk="0" hangingPunct="0">
+              <a:lnSpc>
+                <a:spcPct val="110000"/>
+              </a:lnSpc>
+              <a:buClr>
+                <a:schemeClr val="accent5">
+                  <a:lumMod val="40000"/>
+                  <a:lumOff val="60000"/>
+                </a:schemeClr>
+              </a:buClr>
+              <a:buSzPct val="70000"/>
+            </a:pPr>
+            <a:r>
+              <a:rPr lang="en-US" sz="2800" b="1" noProof="1">
+                <a:solidFill>
+                  <a:schemeClr val="tx2"/>
+                </a:solidFill>
+                <a:effectLst>
+                  <a:outerShdw blurRad="38100" dist="38100" dir="2700000" algn="tl">
+                    <a:srgbClr val="000000">
+                      <a:alpha val="43137"/>
+                    </a:srgbClr>
+                  </a:outerShdw>
+                </a:effectLst>
+                <a:latin typeface="Consolas" pitchFamily="49" charset="0"/>
+              </a:rPr>
+              <a:t>string b = "World";</a:t>
+            </a:r>
+          </a:p>
+          <a:p>
+            <a:pPr eaLnBrk="0" hangingPunct="0">
+              <a:lnSpc>
+                <a:spcPct val="110000"/>
+              </a:lnSpc>
+              <a:buClr>
+                <a:schemeClr val="accent5">
+                  <a:lumMod val="40000"/>
+                  <a:lumOff val="60000"/>
+                </a:schemeClr>
+              </a:buClr>
+              <a:buSzPct val="70000"/>
+            </a:pPr>
+            <a:r>
+              <a:rPr lang="en-US" sz="2800" b="1" noProof="1">
+                <a:solidFill>
+                  <a:schemeClr val="tx2"/>
+                </a:solidFill>
+                <a:effectLst>
+                  <a:outerShdw blurRad="38100" dist="38100" dir="2700000" algn="tl">
+                    <a:srgbClr val="000000">
+                      <a:alpha val="43137"/>
+                    </a:srgbClr>
+                  </a:outerShdw>
+                </a:effectLst>
+                <a:latin typeface="Consolas" pitchFamily="49" charset="0"/>
+              </a:rPr>
+              <a:t>object c = a + " " + b;</a:t>
+            </a:r>
+          </a:p>
+          <a:p>
+            <a:pPr eaLnBrk="0" hangingPunct="0">
+              <a:lnSpc>
+                <a:spcPct val="110000"/>
+              </a:lnSpc>
+              <a:buClr>
+                <a:schemeClr val="accent5">
+                  <a:lumMod val="40000"/>
+                  <a:lumOff val="60000"/>
+                </a:schemeClr>
+              </a:buClr>
+              <a:buSzPct val="70000"/>
+            </a:pPr>
+            <a:r>
+              <a:rPr lang="en-US" sz="2800" b="1" noProof="1">
+                <a:solidFill>
+                  <a:schemeClr val="tx2"/>
+                </a:solidFill>
+                <a:effectLst>
+                  <a:outerShdw blurRad="38100" dist="38100" dir="2700000" algn="tl">
+                    <a:srgbClr val="000000">
+                      <a:alpha val="43137"/>
+                    </a:srgbClr>
+                  </a:outerShdw>
+                </a:effectLst>
+                <a:latin typeface="Consolas" pitchFamily="49" charset="0"/>
+              </a:rPr>
+              <a:t>string d = (string) c;</a:t>
+            </a:r>
+          </a:p>
+          <a:p>
+            <a:pPr eaLnBrk="0" hangingPunct="0">
+              <a:lnSpc>
+                <a:spcPct val="110000"/>
+              </a:lnSpc>
+              <a:buClr>
+                <a:schemeClr val="accent5">
+                  <a:lumMod val="40000"/>
+                  <a:lumOff val="60000"/>
+                </a:schemeClr>
+              </a:buClr>
+              <a:buSzPct val="70000"/>
+            </a:pPr>
+            <a:r>
+              <a:rPr lang="en-US" sz="2800" b="1" noProof="1">
+                <a:solidFill>
+                  <a:schemeClr val="tx2"/>
+                </a:solidFill>
+                <a:effectLst>
+                  <a:outerShdw blurRad="38100" dist="38100" dir="2700000" algn="tl">
+                    <a:srgbClr val="000000">
+                      <a:alpha val="43137"/>
+                    </a:srgbClr>
+                  </a:outerShdw>
+                </a:effectLst>
+                <a:latin typeface="Consolas" pitchFamily="49" charset="0"/>
+              </a:rPr>
+              <a:t>Console.WriteLine(d);</a:t>
+            </a:r>
           </a:p>
         </p:txBody>
       </p:sp>

--- a/Courses/Applied-Programmer/Programming-Fundamentals/02-Типове-данни/08.Типове-данни-текстов-и-обектен-тип.pptx
+++ b/Courses/Applied-Programmer/Programming-Fundamentals/02-Типове-данни/08.Типове-данни-текстов-и-обектен-тип.pptx
@@ -365,7 +365,7 @@
             <a:fld id="{FE5B4EDC-59C0-49C7-8ADA-5A781B329E02}" type="datetimeFigureOut">
               <a:rPr lang="en-US"/>
               <a:pPr/>
-              <a:t>10-Nov-20</a:t>
+              <a:t>11-Nov-20</a:t>
             </a:fld>
             <a:endParaRPr dirty="0"/>
           </a:p>
@@ -663,7 +663,7 @@
             <a:fld id="{F2D8D46A-B586-417D-BFBD-8C8FE0AAF762}" type="datetimeFigureOut">
               <a:rPr lang="en-US" smtClean="0"/>
               <a:pPr/>
-              <a:t>10-Nov-20</a:t>
+              <a:t>11-Nov-20</a:t>
             </a:fld>
             <a:endParaRPr lang="en-US" dirty="0"/>
           </a:p>
@@ -4888,6 +4888,13 @@
   <p:clrMapOvr>
     <a:masterClrMapping/>
   </p:clrMapOvr>
+  <p:timing>
+    <p:tnLst>
+      <p:par>
+        <p:cTn id="1" dur="indefinite" restart="never" nodeType="tmRoot"/>
+      </p:par>
+    </p:tnLst>
+  </p:timing>
 </p:sld>
 </file>
 
@@ -4951,6 +4958,16 @@
                 </a:solidFill>
               </a:rPr>
               <a:t>конвенциите за именуване </a:t>
+            </a:r>
+            <a:r>
+              <a:rPr lang="en-US" sz="2900" dirty="0">
+                <a:solidFill>
+                  <a:schemeClr val="tx2">
+                    <a:lumMod val="75000"/>
+                  </a:schemeClr>
+                </a:solidFill>
+              </a:rPr>
+              <a:t/>
             </a:r>
             <a:br>
               <a:rPr lang="en-US" sz="2900" dirty="0">
@@ -10823,6 +10840,13 @@
   <p:clrMapOvr>
     <a:masterClrMapping/>
   </p:clrMapOvr>
+  <p:timing>
+    <p:tnLst>
+      <p:par>
+        <p:cTn id="1" dur="indefinite" restart="never" nodeType="tmRoot"/>
+      </p:par>
+    </p:tnLst>
+  </p:timing>
 </p:sld>
 </file>
 
@@ -12034,6 +12058,13 @@
   <p:clrMapOvr>
     <a:masterClrMapping/>
   </p:clrMapOvr>
+  <p:timing>
+    <p:tnLst>
+      <p:par>
+        <p:cTn id="1" dur="indefinite" restart="never" nodeType="tmRoot"/>
+      </p:par>
+    </p:tnLst>
+  </p:timing>
 </p:sld>
 </file>
 
@@ -12972,6 +13003,13 @@
   <p:clrMapOvr>
     <a:masterClrMapping/>
   </p:clrMapOvr>
+  <p:timing>
+    <p:tnLst>
+      <p:par>
+        <p:cTn id="1" dur="indefinite" restart="never" nodeType="tmRoot"/>
+      </p:par>
+    </p:tnLst>
+  </p:timing>
 </p:sld>
 </file>
 
@@ -13168,6 +13206,294 @@
   <p:clrMapOvr>
     <a:masterClrMapping/>
   </p:clrMapOvr>
+  <p:timing>
+    <p:tnLst>
+      <p:par>
+        <p:cTn id="1" dur="indefinite" restart="never" nodeType="tmRoot">
+          <p:childTnLst>
+            <p:seq concurrent="1" nextAc="seek">
+              <p:cTn id="2" dur="indefinite" nodeType="mainSeq">
+                <p:childTnLst>
+                  <p:par>
+                    <p:cTn id="3" fill="hold">
+                      <p:stCondLst>
+                        <p:cond delay="indefinite"/>
+                      </p:stCondLst>
+                      <p:childTnLst>
+                        <p:par>
+                          <p:cTn id="4" fill="hold">
+                            <p:stCondLst>
+                              <p:cond delay="0"/>
+                            </p:stCondLst>
+                            <p:childTnLst>
+                              <p:par>
+                                <p:cTn id="5" presetID="1" presetClass="entr" presetSubtype="0" fill="hold" nodeType="clickEffect">
+                                  <p:stCondLst>
+                                    <p:cond delay="0"/>
+                                  </p:stCondLst>
+                                  <p:childTnLst>
+                                    <p:set>
+                                      <p:cBhvr>
+                                        <p:cTn id="6" dur="1" fill="hold">
+                                          <p:stCondLst>
+                                            <p:cond delay="0"/>
+                                          </p:stCondLst>
+                                        </p:cTn>
+                                        <p:tgtEl>
+                                          <p:spTgt spid="423939">
+                                            <p:txEl>
+                                              <p:pRg st="0" end="0"/>
+                                            </p:txEl>
+                                          </p:spTgt>
+                                        </p:tgtEl>
+                                        <p:attrNameLst>
+                                          <p:attrName>style.visibility</p:attrName>
+                                        </p:attrNameLst>
+                                      </p:cBhvr>
+                                      <p:to>
+                                        <p:strVal val="visible"/>
+                                      </p:to>
+                                    </p:set>
+                                  </p:childTnLst>
+                                </p:cTn>
+                              </p:par>
+                            </p:childTnLst>
+                          </p:cTn>
+                        </p:par>
+                      </p:childTnLst>
+                    </p:cTn>
+                  </p:par>
+                  <p:par>
+                    <p:cTn id="7" fill="hold">
+                      <p:stCondLst>
+                        <p:cond delay="indefinite"/>
+                      </p:stCondLst>
+                      <p:childTnLst>
+                        <p:par>
+                          <p:cTn id="8" fill="hold">
+                            <p:stCondLst>
+                              <p:cond delay="0"/>
+                            </p:stCondLst>
+                            <p:childTnLst>
+                              <p:par>
+                                <p:cTn id="9" presetID="1" presetClass="entr" presetSubtype="0" fill="hold" nodeType="clickEffect">
+                                  <p:stCondLst>
+                                    <p:cond delay="0"/>
+                                  </p:stCondLst>
+                                  <p:childTnLst>
+                                    <p:set>
+                                      <p:cBhvr>
+                                        <p:cTn id="10" dur="1" fill="hold">
+                                          <p:stCondLst>
+                                            <p:cond delay="0"/>
+                                          </p:stCondLst>
+                                        </p:cTn>
+                                        <p:tgtEl>
+                                          <p:spTgt spid="423939">
+                                            <p:txEl>
+                                              <p:pRg st="1" end="1"/>
+                                            </p:txEl>
+                                          </p:spTgt>
+                                        </p:tgtEl>
+                                        <p:attrNameLst>
+                                          <p:attrName>style.visibility</p:attrName>
+                                        </p:attrNameLst>
+                                      </p:cBhvr>
+                                      <p:to>
+                                        <p:strVal val="visible"/>
+                                      </p:to>
+                                    </p:set>
+                                  </p:childTnLst>
+                                </p:cTn>
+                              </p:par>
+                            </p:childTnLst>
+                          </p:cTn>
+                        </p:par>
+                      </p:childTnLst>
+                    </p:cTn>
+                  </p:par>
+                  <p:par>
+                    <p:cTn id="11" fill="hold">
+                      <p:stCondLst>
+                        <p:cond delay="indefinite"/>
+                      </p:stCondLst>
+                      <p:childTnLst>
+                        <p:par>
+                          <p:cTn id="12" fill="hold">
+                            <p:stCondLst>
+                              <p:cond delay="0"/>
+                            </p:stCondLst>
+                            <p:childTnLst>
+                              <p:par>
+                                <p:cTn id="13" presetID="1" presetClass="entr" presetSubtype="0" fill="hold" nodeType="clickEffect">
+                                  <p:stCondLst>
+                                    <p:cond delay="0"/>
+                                  </p:stCondLst>
+                                  <p:childTnLst>
+                                    <p:set>
+                                      <p:cBhvr>
+                                        <p:cTn id="14" dur="1" fill="hold">
+                                          <p:stCondLst>
+                                            <p:cond delay="0"/>
+                                          </p:stCondLst>
+                                        </p:cTn>
+                                        <p:tgtEl>
+                                          <p:spTgt spid="423939">
+                                            <p:txEl>
+                                              <p:pRg st="2" end="2"/>
+                                            </p:txEl>
+                                          </p:spTgt>
+                                        </p:tgtEl>
+                                        <p:attrNameLst>
+                                          <p:attrName>style.visibility</p:attrName>
+                                        </p:attrNameLst>
+                                      </p:cBhvr>
+                                      <p:to>
+                                        <p:strVal val="visible"/>
+                                      </p:to>
+                                    </p:set>
+                                  </p:childTnLst>
+                                </p:cTn>
+                              </p:par>
+                            </p:childTnLst>
+                          </p:cTn>
+                        </p:par>
+                      </p:childTnLst>
+                    </p:cTn>
+                  </p:par>
+                  <p:par>
+                    <p:cTn id="15" fill="hold">
+                      <p:stCondLst>
+                        <p:cond delay="indefinite"/>
+                      </p:stCondLst>
+                      <p:childTnLst>
+                        <p:par>
+                          <p:cTn id="16" fill="hold">
+                            <p:stCondLst>
+                              <p:cond delay="0"/>
+                            </p:stCondLst>
+                            <p:childTnLst>
+                              <p:par>
+                                <p:cTn id="17" presetID="1" presetClass="entr" presetSubtype="0" fill="hold" nodeType="clickEffect">
+                                  <p:stCondLst>
+                                    <p:cond delay="0"/>
+                                  </p:stCondLst>
+                                  <p:childTnLst>
+                                    <p:set>
+                                      <p:cBhvr>
+                                        <p:cTn id="18" dur="1" fill="hold">
+                                          <p:stCondLst>
+                                            <p:cond delay="0"/>
+                                          </p:stCondLst>
+                                        </p:cTn>
+                                        <p:tgtEl>
+                                          <p:spTgt spid="423939">
+                                            <p:txEl>
+                                              <p:pRg st="3" end="3"/>
+                                            </p:txEl>
+                                          </p:spTgt>
+                                        </p:tgtEl>
+                                        <p:attrNameLst>
+                                          <p:attrName>style.visibility</p:attrName>
+                                        </p:attrNameLst>
+                                      </p:cBhvr>
+                                      <p:to>
+                                        <p:strVal val="visible"/>
+                                      </p:to>
+                                    </p:set>
+                                  </p:childTnLst>
+                                </p:cTn>
+                              </p:par>
+                              <p:par>
+                                <p:cTn id="19" presetID="1" presetClass="entr" presetSubtype="0" fill="hold" nodeType="withEffect">
+                                  <p:stCondLst>
+                                    <p:cond delay="0"/>
+                                  </p:stCondLst>
+                                  <p:childTnLst>
+                                    <p:set>
+                                      <p:cBhvr>
+                                        <p:cTn id="20" dur="1" fill="hold">
+                                          <p:stCondLst>
+                                            <p:cond delay="0"/>
+                                          </p:stCondLst>
+                                        </p:cTn>
+                                        <p:tgtEl>
+                                          <p:spTgt spid="423939">
+                                            <p:txEl>
+                                              <p:pRg st="4" end="4"/>
+                                            </p:txEl>
+                                          </p:spTgt>
+                                        </p:tgtEl>
+                                        <p:attrNameLst>
+                                          <p:attrName>style.visibility</p:attrName>
+                                        </p:attrNameLst>
+                                      </p:cBhvr>
+                                      <p:to>
+                                        <p:strVal val="visible"/>
+                                      </p:to>
+                                    </p:set>
+                                  </p:childTnLst>
+                                </p:cTn>
+                              </p:par>
+                              <p:par>
+                                <p:cTn id="21" presetID="1" presetClass="entr" presetSubtype="0" fill="hold" nodeType="withEffect">
+                                  <p:stCondLst>
+                                    <p:cond delay="0"/>
+                                  </p:stCondLst>
+                                  <p:childTnLst>
+                                    <p:set>
+                                      <p:cBhvr>
+                                        <p:cTn id="22" dur="1" fill="hold">
+                                          <p:stCondLst>
+                                            <p:cond delay="0"/>
+                                          </p:stCondLst>
+                                        </p:cTn>
+                                        <p:tgtEl>
+                                          <p:spTgt spid="423939">
+                                            <p:txEl>
+                                              <p:pRg st="5" end="5"/>
+                                            </p:txEl>
+                                          </p:spTgt>
+                                        </p:tgtEl>
+                                        <p:attrNameLst>
+                                          <p:attrName>style.visibility</p:attrName>
+                                        </p:attrNameLst>
+                                      </p:cBhvr>
+                                      <p:to>
+                                        <p:strVal val="visible"/>
+                                      </p:to>
+                                    </p:set>
+                                  </p:childTnLst>
+                                </p:cTn>
+                              </p:par>
+                            </p:childTnLst>
+                          </p:cTn>
+                        </p:par>
+                      </p:childTnLst>
+                    </p:cTn>
+                  </p:par>
+                </p:childTnLst>
+              </p:cTn>
+              <p:prevCondLst>
+                <p:cond evt="onPrev" delay="0">
+                  <p:tgtEl>
+                    <p:sldTgt/>
+                  </p:tgtEl>
+                </p:cond>
+              </p:prevCondLst>
+              <p:nextCondLst>
+                <p:cond evt="onNext" delay="0">
+                  <p:tgtEl>
+                    <p:sldTgt/>
+                  </p:tgtEl>
+                </p:cond>
+              </p:nextCondLst>
+            </p:seq>
+          </p:childTnLst>
+        </p:cTn>
+      </p:par>
+    </p:tnLst>
+  </p:timing>
 </p:sld>
 </file>
 
@@ -13775,7 +14101,7 @@
                             </p:stCondLst>
                             <p:childTnLst>
                               <p:par>
-                                <p:cTn id="5" presetID="1" presetClass="entr" presetSubtype="0" fill="hold" nodeType="clickEffect">
+                                <p:cTn id="5" presetID="1" presetClass="entr" presetSubtype="0" fill="hold" grpId="0" nodeType="clickEffect">
                                   <p:stCondLst>
                                     <p:cond delay="0"/>
                                   </p:stCondLst>
@@ -13790,7 +14116,7 @@
                                         <p:tgtEl>
                                           <p:spTgt spid="519171">
                                             <p:txEl>
-                                              <p:pRg st="4" end="4"/>
+                                              <p:pRg st="0" end="0"/>
                                             </p:txEl>
                                           </p:spTgt>
                                         </p:tgtEl>
@@ -13819,7 +14145,73 @@
                                           </p:stCondLst>
                                         </p:cTn>
                                         <p:tgtEl>
-                                          <p:spTgt spid="519172"/>
+                                          <p:spTgt spid="519171">
+                                            <p:txEl>
+                                              <p:pRg st="1" end="1"/>
+                                            </p:txEl>
+                                          </p:spTgt>
+                                        </p:tgtEl>
+                                        <p:attrNameLst>
+                                          <p:attrName>style.visibility</p:attrName>
+                                        </p:attrNameLst>
+                                      </p:cBhvr>
+                                      <p:to>
+                                        <p:strVal val="visible"/>
+                                      </p:to>
+                                    </p:set>
+                                  </p:childTnLst>
+                                </p:cTn>
+                              </p:par>
+                              <p:par>
+                                <p:cTn id="9" presetID="1" presetClass="entr" presetSubtype="0" fill="hold" grpId="0" nodeType="withEffect">
+                                  <p:stCondLst>
+                                    <p:cond delay="0"/>
+                                  </p:stCondLst>
+                                  <p:childTnLst>
+                                    <p:set>
+                                      <p:cBhvr>
+                                        <p:cTn id="10" dur="1" fill="hold">
+                                          <p:stCondLst>
+                                            <p:cond delay="0"/>
+                                          </p:stCondLst>
+                                        </p:cTn>
+                                        <p:tgtEl>
+                                          <p:spTgt spid="519171">
+                                            <p:txEl>
+                                              <p:pRg st="2" end="2"/>
+                                            </p:txEl>
+                                          </p:spTgt>
+                                        </p:tgtEl>
+                                        <p:attrNameLst>
+                                          <p:attrName>style.visibility</p:attrName>
+                                        </p:attrNameLst>
+                                      </p:cBhvr>
+                                      <p:to>
+                                        <p:strVal val="visible"/>
+                                      </p:to>
+                                    </p:set>
+                                  </p:childTnLst>
+                                </p:cTn>
+                              </p:par>
+                              <p:par>
+                                <p:cTn id="11" presetID="1" presetClass="entr" presetSubtype="0" fill="hold" grpId="0" nodeType="withEffect">
+                                  <p:stCondLst>
+                                    <p:cond delay="0"/>
+                                  </p:stCondLst>
+                                  <p:childTnLst>
+                                    <p:set>
+                                      <p:cBhvr>
+                                        <p:cTn id="12" dur="1" fill="hold">
+                                          <p:stCondLst>
+                                            <p:cond delay="0"/>
+                                          </p:stCondLst>
+                                        </p:cTn>
+                                        <p:tgtEl>
+                                          <p:spTgt spid="519171">
+                                            <p:txEl>
+                                              <p:pRg st="3" end="3"/>
+                                            </p:txEl>
+                                          </p:spTgt>
                                         </p:tgtEl>
                                         <p:attrNameLst>
                                           <p:attrName>style.visibility</p:attrName>
@@ -13839,26 +14231,75 @@
                     </p:cTn>
                   </p:par>
                   <p:par>
-                    <p:cTn id="9" fill="hold">
+                    <p:cTn id="13" fill="hold">
                       <p:stCondLst>
                         <p:cond delay="indefinite"/>
                       </p:stCondLst>
                       <p:childTnLst>
                         <p:par>
-                          <p:cTn id="10" fill="hold">
+                          <p:cTn id="14" fill="hold">
                             <p:stCondLst>
                               <p:cond delay="0"/>
                             </p:stCondLst>
                             <p:childTnLst>
                               <p:par>
-                                <p:cTn id="11" presetID="1" presetClass="entr" presetSubtype="0" fill="hold" nodeType="clickEffect">
+                                <p:cTn id="15" presetID="1" presetClass="entr" presetSubtype="0" fill="hold" grpId="0" nodeType="clickEffect">
                                   <p:stCondLst>
                                     <p:cond delay="0"/>
                                   </p:stCondLst>
                                   <p:childTnLst>
                                     <p:set>
                                       <p:cBhvr>
-                                        <p:cTn id="12" dur="1" fill="hold">
+                                        <p:cTn id="16" dur="1" fill="hold">
+                                          <p:stCondLst>
+                                            <p:cond delay="0"/>
+                                          </p:stCondLst>
+                                        </p:cTn>
+                                        <p:tgtEl>
+                                          <p:spTgt spid="519171">
+                                            <p:txEl>
+                                              <p:pRg st="4" end="4"/>
+                                            </p:txEl>
+                                          </p:spTgt>
+                                        </p:tgtEl>
+                                        <p:attrNameLst>
+                                          <p:attrName>style.visibility</p:attrName>
+                                        </p:attrNameLst>
+                                      </p:cBhvr>
+                                      <p:to>
+                                        <p:strVal val="visible"/>
+                                      </p:to>
+                                    </p:set>
+                                  </p:childTnLst>
+                                </p:cTn>
+                              </p:par>
+                            </p:childTnLst>
+                          </p:cTn>
+                        </p:par>
+                      </p:childTnLst>
+                    </p:cTn>
+                  </p:par>
+                  <p:par>
+                    <p:cTn id="17" fill="hold">
+                      <p:stCondLst>
+                        <p:cond delay="indefinite"/>
+                      </p:stCondLst>
+                      <p:childTnLst>
+                        <p:par>
+                          <p:cTn id="18" fill="hold">
+                            <p:stCondLst>
+                              <p:cond delay="0"/>
+                            </p:stCondLst>
+                            <p:childTnLst>
+                              <p:par>
+                                <p:cTn id="19" presetID="1" presetClass="entr" presetSubtype="0" fill="hold" grpId="0" nodeType="clickEffect">
+                                  <p:stCondLst>
+                                    <p:cond delay="0"/>
+                                  </p:stCondLst>
+                                  <p:childTnLst>
+                                    <p:set>
+                                      <p:cBhvr>
+                                        <p:cTn id="20" dur="1" fill="hold">
                                           <p:stCondLst>
                                             <p:cond delay="0"/>
                                           </p:stCondLst>
@@ -13881,15 +14322,33 @@
                                   </p:childTnLst>
                                 </p:cTn>
                               </p:par>
+                            </p:childTnLst>
+                          </p:cTn>
+                        </p:par>
+                      </p:childTnLst>
+                    </p:cTn>
+                  </p:par>
+                  <p:par>
+                    <p:cTn id="21" fill="hold">
+                      <p:stCondLst>
+                        <p:cond delay="indefinite"/>
+                      </p:stCondLst>
+                      <p:childTnLst>
+                        <p:par>
+                          <p:cTn id="22" fill="hold">
+                            <p:stCondLst>
+                              <p:cond delay="0"/>
+                            </p:stCondLst>
+                            <p:childTnLst>
                               <p:par>
-                                <p:cTn id="13" presetID="1" presetClass="entr" presetSubtype="0" fill="hold" nodeType="withEffect">
+                                <p:cTn id="23" presetID="1" presetClass="entr" presetSubtype="0" fill="hold" nodeType="clickEffect">
                                   <p:stCondLst>
                                     <p:cond delay="0"/>
                                   </p:stCondLst>
                                   <p:childTnLst>
                                     <p:set>
                                       <p:cBhvr>
-                                        <p:cTn id="14" dur="1" fill="hold">
+                                        <p:cTn id="24" dur="1" fill="hold">
                                           <p:stCondLst>
                                             <p:cond delay="0"/>
                                           </p:stCondLst>
@@ -13940,7 +14399,7 @@
       </p:par>
     </p:tnLst>
     <p:bldLst>
-      <p:bldP spid="519172" grpId="0" animBg="1"/>
+      <p:bldP spid="519171" grpId="0" build="p"/>
     </p:bldLst>
   </p:timing>
 </p:sld>
@@ -16130,7 +16589,7 @@
         </p:nvSpPr>
         <p:spPr bwMode="auto">
           <a:xfrm>
-            <a:off x="836612" y="2870819"/>
+            <a:off x="836612" y="2667000"/>
             <a:ext cx="10515600" cy="3640997"/>
           </a:xfrm>
           <a:prstGeom prst="rect">
@@ -16509,6 +16968,177 @@
           </a:p>
         </p:txBody>
       </p:sp>
+      <p:sp>
+        <p:nvSpPr>
+          <p:cNvPr id="7" name="Текстово поле 8">
+            <a:extLst>
+              <a:ext uri="{FF2B5EF4-FFF2-40B4-BE49-F238E27FC236}">
+                <a16:creationId xmlns:a16="http://schemas.microsoft.com/office/drawing/2014/main" id="{B775C725-2D35-46A8-AC07-A0FDF9684789}"/>
+              </a:ext>
+            </a:extLst>
+          </p:cNvPr>
+          <p:cNvSpPr txBox="1"/>
+          <p:nvPr/>
+        </p:nvSpPr>
+        <p:spPr>
+          <a:xfrm>
+            <a:off x="466625" y="6388000"/>
+            <a:ext cx="10820400" cy="487506"/>
+          </a:xfrm>
+          <a:prstGeom prst="rect">
+            <a:avLst/>
+          </a:prstGeom>
+          <a:noFill/>
+        </p:spPr>
+        <p:txBody>
+          <a:bodyPr wrap="square">
+            <a:spAutoFit/>
+          </a:bodyPr>
+          <a:lstStyle>
+            <a:defPPr>
+              <a:defRPr lang="en-US"/>
+            </a:defPPr>
+            <a:lvl1pPr marL="0" algn="l" defTabSz="1218987" rtl="0" eaLnBrk="1" latinLnBrk="0" hangingPunct="1">
+              <a:defRPr sz="2400" kern="1200">
+                <a:solidFill>
+                  <a:schemeClr val="tx1"/>
+                </a:solidFill>
+                <a:latin typeface="+mn-lt"/>
+                <a:ea typeface="+mn-ea"/>
+                <a:cs typeface="+mn-cs"/>
+              </a:defRPr>
+            </a:lvl1pPr>
+            <a:lvl2pPr marL="609493" algn="l" defTabSz="1218987" rtl="0" eaLnBrk="1" latinLnBrk="0" hangingPunct="1">
+              <a:defRPr sz="2400" kern="1200">
+                <a:solidFill>
+                  <a:schemeClr val="tx1"/>
+                </a:solidFill>
+                <a:latin typeface="+mn-lt"/>
+                <a:ea typeface="+mn-ea"/>
+                <a:cs typeface="+mn-cs"/>
+              </a:defRPr>
+            </a:lvl2pPr>
+            <a:lvl3pPr marL="1218987" algn="l" defTabSz="1218987" rtl="0" eaLnBrk="1" latinLnBrk="0" hangingPunct="1">
+              <a:defRPr sz="2400" kern="1200">
+                <a:solidFill>
+                  <a:schemeClr val="tx1"/>
+                </a:solidFill>
+                <a:latin typeface="+mn-lt"/>
+                <a:ea typeface="+mn-ea"/>
+                <a:cs typeface="+mn-cs"/>
+              </a:defRPr>
+            </a:lvl3pPr>
+            <a:lvl4pPr marL="1828480" algn="l" defTabSz="1218987" rtl="0" eaLnBrk="1" latinLnBrk="0" hangingPunct="1">
+              <a:defRPr sz="2400" kern="1200">
+                <a:solidFill>
+                  <a:schemeClr val="tx1"/>
+                </a:solidFill>
+                <a:latin typeface="+mn-lt"/>
+                <a:ea typeface="+mn-ea"/>
+                <a:cs typeface="+mn-cs"/>
+              </a:defRPr>
+            </a:lvl4pPr>
+            <a:lvl5pPr marL="2437973" algn="l" defTabSz="1218987" rtl="0" eaLnBrk="1" latinLnBrk="0" hangingPunct="1">
+              <a:defRPr sz="2400" kern="1200">
+                <a:solidFill>
+                  <a:schemeClr val="tx1"/>
+                </a:solidFill>
+                <a:latin typeface="+mn-lt"/>
+                <a:ea typeface="+mn-ea"/>
+                <a:cs typeface="+mn-cs"/>
+              </a:defRPr>
+            </a:lvl5pPr>
+            <a:lvl6pPr marL="3047467" algn="l" defTabSz="1218987" rtl="0" eaLnBrk="1" latinLnBrk="0" hangingPunct="1">
+              <a:defRPr sz="2400" kern="1200">
+                <a:solidFill>
+                  <a:schemeClr val="tx1"/>
+                </a:solidFill>
+                <a:latin typeface="+mn-lt"/>
+                <a:ea typeface="+mn-ea"/>
+                <a:cs typeface="+mn-cs"/>
+              </a:defRPr>
+            </a:lvl6pPr>
+            <a:lvl7pPr marL="3656960" algn="l" defTabSz="1218987" rtl="0" eaLnBrk="1" latinLnBrk="0" hangingPunct="1">
+              <a:defRPr sz="2400" kern="1200">
+                <a:solidFill>
+                  <a:schemeClr val="tx1"/>
+                </a:solidFill>
+                <a:latin typeface="+mn-lt"/>
+                <a:ea typeface="+mn-ea"/>
+                <a:cs typeface="+mn-cs"/>
+              </a:defRPr>
+            </a:lvl7pPr>
+            <a:lvl8pPr marL="4266453" algn="l" defTabSz="1218987" rtl="0" eaLnBrk="1" latinLnBrk="0" hangingPunct="1">
+              <a:defRPr sz="2400" kern="1200">
+                <a:solidFill>
+                  <a:schemeClr val="tx1"/>
+                </a:solidFill>
+                <a:latin typeface="+mn-lt"/>
+                <a:ea typeface="+mn-ea"/>
+                <a:cs typeface="+mn-cs"/>
+              </a:defRPr>
+            </a:lvl8pPr>
+            <a:lvl9pPr marL="4875947" algn="l" defTabSz="1218987" rtl="0" eaLnBrk="1" latinLnBrk="0" hangingPunct="1">
+              <a:defRPr sz="2400" kern="1200">
+                <a:solidFill>
+                  <a:schemeClr val="tx1"/>
+                </a:solidFill>
+                <a:latin typeface="+mn-lt"/>
+                <a:ea typeface="+mn-ea"/>
+                <a:cs typeface="+mn-cs"/>
+              </a:defRPr>
+            </a:lvl9pPr>
+          </a:lstStyle>
+          <a:p>
+            <a:pPr algn="ctr">
+              <a:lnSpc>
+                <a:spcPct val="107000"/>
+              </a:lnSpc>
+            </a:pPr>
+            <a:r>
+              <a:rPr lang="bg-BG" sz="2400" dirty="0">
+                <a:effectLst/>
+                <a:latin typeface="Calibri" panose="020F0502020204030204" pitchFamily="34" charset="0"/>
+                <a:ea typeface="Calibri" panose="020F0502020204030204" pitchFamily="34" charset="0"/>
+                <a:cs typeface="Times New Roman" panose="02020603050405020304" pitchFamily="18" charset="0"/>
+              </a:rPr>
+              <a:t>Тествайте в </a:t>
+            </a:r>
+            <a:r>
+              <a:rPr lang="en-US" dirty="0">
+                <a:latin typeface="Calibri" panose="020F0502020204030204" pitchFamily="34" charset="0"/>
+                <a:ea typeface="Calibri" panose="020F0502020204030204" pitchFamily="34" charset="0"/>
+                <a:cs typeface="Times New Roman" panose="02020603050405020304" pitchFamily="18" charset="0"/>
+              </a:rPr>
+              <a:t>Judge: </a:t>
+            </a:r>
+            <a:r>
+              <a:rPr lang="en-US" dirty="0">
+                <a:latin typeface="Calibri" panose="020F0502020204030204" pitchFamily="34" charset="0"/>
+                <a:ea typeface="Calibri" panose="020F0502020204030204" pitchFamily="34" charset="0"/>
+                <a:cs typeface="Times New Roman" panose="02020603050405020304" pitchFamily="18" charset="0"/>
+                <a:hlinkClick r:id="rId2"/>
+              </a:rPr>
+              <a:t>https://</a:t>
+            </a:r>
+            <a:r>
+              <a:rPr lang="en-US" dirty="0" smtClean="0">
+                <a:latin typeface="Calibri" panose="020F0502020204030204" pitchFamily="34" charset="0"/>
+                <a:ea typeface="Calibri" panose="020F0502020204030204" pitchFamily="34" charset="0"/>
+                <a:cs typeface="Times New Roman" panose="02020603050405020304" pitchFamily="18" charset="0"/>
+                <a:hlinkClick r:id="rId2"/>
+              </a:rPr>
+              <a:t>judge.softuni.bg/Contests/2650</a:t>
+            </a:r>
+            <a:endParaRPr lang="en-US" sz="2400" dirty="0">
+              <a:effectLst/>
+              <a:latin typeface="Calibri" panose="020F0502020204030204" pitchFamily="34" charset="0"/>
+              <a:ea typeface="Calibri" panose="020F0502020204030204" pitchFamily="34" charset="0"/>
+              <a:cs typeface="Times New Roman" panose="02020603050405020304" pitchFamily="18" charset="0"/>
+            </a:endParaRPr>
+          </a:p>
+        </p:txBody>
+      </p:sp>
     </p:spTree>
     <p:extLst>
       <p:ext uri="{BB962C8B-B14F-4D97-AF65-F5344CB8AC3E}">
@@ -16519,6 +17149,13 @@
   <p:clrMapOvr>
     <a:masterClrMapping/>
   </p:clrMapOvr>
+  <p:timing>
+    <p:tnLst>
+      <p:par>
+        <p:cTn id="1" dur="indefinite" restart="never" nodeType="tmRoot"/>
+      </p:par>
+    </p:tnLst>
+  </p:timing>
 </p:sld>
 </file>
 
@@ -16749,6 +17386,232 @@
     <a:masterClrMapping/>
   </p:clrMapOvr>
   <p:transition/>
+  <p:timing>
+    <p:tnLst>
+      <p:par>
+        <p:cTn id="1" dur="indefinite" restart="never" nodeType="tmRoot">
+          <p:childTnLst>
+            <p:seq concurrent="1" nextAc="seek">
+              <p:cTn id="2" dur="indefinite" nodeType="mainSeq">
+                <p:childTnLst>
+                  <p:par>
+                    <p:cTn id="3" fill="hold">
+                      <p:stCondLst>
+                        <p:cond delay="indefinite"/>
+                      </p:stCondLst>
+                      <p:childTnLst>
+                        <p:par>
+                          <p:cTn id="4" fill="hold">
+                            <p:stCondLst>
+                              <p:cond delay="0"/>
+                            </p:stCondLst>
+                            <p:childTnLst>
+                              <p:par>
+                                <p:cTn id="5" presetID="1" presetClass="entr" presetSubtype="0" fill="hold" nodeType="clickEffect">
+                                  <p:stCondLst>
+                                    <p:cond delay="0"/>
+                                  </p:stCondLst>
+                                  <p:childTnLst>
+                                    <p:set>
+                                      <p:cBhvr>
+                                        <p:cTn id="6" dur="1" fill="hold">
+                                          <p:stCondLst>
+                                            <p:cond delay="0"/>
+                                          </p:stCondLst>
+                                        </p:cTn>
+                                        <p:tgtEl>
+                                          <p:spTgt spid="519171">
+                                            <p:txEl>
+                                              <p:pRg st="1" end="1"/>
+                                            </p:txEl>
+                                          </p:spTgt>
+                                        </p:tgtEl>
+                                        <p:attrNameLst>
+                                          <p:attrName>style.visibility</p:attrName>
+                                        </p:attrNameLst>
+                                      </p:cBhvr>
+                                      <p:to>
+                                        <p:strVal val="visible"/>
+                                      </p:to>
+                                    </p:set>
+                                  </p:childTnLst>
+                                </p:cTn>
+                              </p:par>
+                            </p:childTnLst>
+                          </p:cTn>
+                        </p:par>
+                      </p:childTnLst>
+                    </p:cTn>
+                  </p:par>
+                  <p:par>
+                    <p:cTn id="7" fill="hold">
+                      <p:stCondLst>
+                        <p:cond delay="indefinite"/>
+                      </p:stCondLst>
+                      <p:childTnLst>
+                        <p:par>
+                          <p:cTn id="8" fill="hold">
+                            <p:stCondLst>
+                              <p:cond delay="0"/>
+                            </p:stCondLst>
+                            <p:childTnLst>
+                              <p:par>
+                                <p:cTn id="9" presetID="1" presetClass="entr" presetSubtype="0" fill="hold" nodeType="clickEffect">
+                                  <p:stCondLst>
+                                    <p:cond delay="0"/>
+                                  </p:stCondLst>
+                                  <p:childTnLst>
+                                    <p:set>
+                                      <p:cBhvr>
+                                        <p:cTn id="10" dur="1" fill="hold">
+                                          <p:stCondLst>
+                                            <p:cond delay="0"/>
+                                          </p:stCondLst>
+                                        </p:cTn>
+                                        <p:tgtEl>
+                                          <p:spTgt spid="519171">
+                                            <p:txEl>
+                                              <p:pRg st="2" end="2"/>
+                                            </p:txEl>
+                                          </p:spTgt>
+                                        </p:tgtEl>
+                                        <p:attrNameLst>
+                                          <p:attrName>style.visibility</p:attrName>
+                                        </p:attrNameLst>
+                                      </p:cBhvr>
+                                      <p:to>
+                                        <p:strVal val="visible"/>
+                                      </p:to>
+                                    </p:set>
+                                  </p:childTnLst>
+                                </p:cTn>
+                              </p:par>
+                            </p:childTnLst>
+                          </p:cTn>
+                        </p:par>
+                      </p:childTnLst>
+                    </p:cTn>
+                  </p:par>
+                  <p:par>
+                    <p:cTn id="11" fill="hold">
+                      <p:stCondLst>
+                        <p:cond delay="indefinite"/>
+                      </p:stCondLst>
+                      <p:childTnLst>
+                        <p:par>
+                          <p:cTn id="12" fill="hold">
+                            <p:stCondLst>
+                              <p:cond delay="0"/>
+                            </p:stCondLst>
+                            <p:childTnLst>
+                              <p:par>
+                                <p:cTn id="13" presetID="1" presetClass="entr" presetSubtype="0" fill="hold" nodeType="clickEffect">
+                                  <p:stCondLst>
+                                    <p:cond delay="0"/>
+                                  </p:stCondLst>
+                                  <p:childTnLst>
+                                    <p:set>
+                                      <p:cBhvr>
+                                        <p:cTn id="14" dur="1" fill="hold">
+                                          <p:stCondLst>
+                                            <p:cond delay="0"/>
+                                          </p:stCondLst>
+                                        </p:cTn>
+                                        <p:tgtEl>
+                                          <p:spTgt spid="519171">
+                                            <p:txEl>
+                                              <p:pRg st="3" end="3"/>
+                                            </p:txEl>
+                                          </p:spTgt>
+                                        </p:tgtEl>
+                                        <p:attrNameLst>
+                                          <p:attrName>style.visibility</p:attrName>
+                                        </p:attrNameLst>
+                                      </p:cBhvr>
+                                      <p:to>
+                                        <p:strVal val="visible"/>
+                                      </p:to>
+                                    </p:set>
+                                  </p:childTnLst>
+                                </p:cTn>
+                              </p:par>
+                            </p:childTnLst>
+                          </p:cTn>
+                        </p:par>
+                      </p:childTnLst>
+                    </p:cTn>
+                  </p:par>
+                  <p:par>
+                    <p:cTn id="15" fill="hold">
+                      <p:stCondLst>
+                        <p:cond delay="indefinite"/>
+                      </p:stCondLst>
+                      <p:childTnLst>
+                        <p:par>
+                          <p:cTn id="16" fill="hold">
+                            <p:stCondLst>
+                              <p:cond delay="0"/>
+                            </p:stCondLst>
+                            <p:childTnLst>
+                              <p:par>
+                                <p:cTn id="17" presetID="1" presetClass="entr" presetSubtype="0" fill="hold" nodeType="clickEffect">
+                                  <p:stCondLst>
+                                    <p:cond delay="0"/>
+                                  </p:stCondLst>
+                                  <p:childTnLst>
+                                    <p:set>
+                                      <p:cBhvr>
+                                        <p:cTn id="18" dur="1" fill="hold">
+                                          <p:stCondLst>
+                                            <p:cond delay="0"/>
+                                          </p:stCondLst>
+                                        </p:cTn>
+                                        <p:tgtEl>
+                                          <p:spTgt spid="519171">
+                                            <p:txEl>
+                                              <p:pRg st="4" end="4"/>
+                                            </p:txEl>
+                                          </p:spTgt>
+                                        </p:tgtEl>
+                                        <p:attrNameLst>
+                                          <p:attrName>style.visibility</p:attrName>
+                                        </p:attrNameLst>
+                                      </p:cBhvr>
+                                      <p:to>
+                                        <p:strVal val="visible"/>
+                                      </p:to>
+                                    </p:set>
+                                  </p:childTnLst>
+                                </p:cTn>
+                              </p:par>
+                            </p:childTnLst>
+                          </p:cTn>
+                        </p:par>
+                      </p:childTnLst>
+                    </p:cTn>
+                  </p:par>
+                </p:childTnLst>
+              </p:cTn>
+              <p:prevCondLst>
+                <p:cond evt="onPrev" delay="0">
+                  <p:tgtEl>
+                    <p:sldTgt/>
+                  </p:tgtEl>
+                </p:cond>
+              </p:prevCondLst>
+              <p:nextCondLst>
+                <p:cond evt="onNext" delay="0">
+                  <p:tgtEl>
+                    <p:sldTgt/>
+                  </p:tgtEl>
+                </p:cond>
+              </p:nextCondLst>
+            </p:seq>
+          </p:childTnLst>
+        </p:cTn>
+      </p:par>
+    </p:tnLst>
+  </p:timing>
 </p:sld>
 </file>
 
@@ -17133,6 +17996,177 @@
           </a:p>
         </p:txBody>
       </p:sp>
+      <p:sp>
+        <p:nvSpPr>
+          <p:cNvPr id="7" name="Текстово поле 8">
+            <a:extLst>
+              <a:ext uri="{FF2B5EF4-FFF2-40B4-BE49-F238E27FC236}">
+                <a16:creationId xmlns:a16="http://schemas.microsoft.com/office/drawing/2014/main" id="{B775C725-2D35-46A8-AC07-A0FDF9684789}"/>
+              </a:ext>
+            </a:extLst>
+          </p:cNvPr>
+          <p:cNvSpPr txBox="1"/>
+          <p:nvPr/>
+        </p:nvSpPr>
+        <p:spPr>
+          <a:xfrm>
+            <a:off x="466625" y="6388000"/>
+            <a:ext cx="10820400" cy="487506"/>
+          </a:xfrm>
+          <a:prstGeom prst="rect">
+            <a:avLst/>
+          </a:prstGeom>
+          <a:noFill/>
+        </p:spPr>
+        <p:txBody>
+          <a:bodyPr wrap="square">
+            <a:spAutoFit/>
+          </a:bodyPr>
+          <a:lstStyle>
+            <a:defPPr>
+              <a:defRPr lang="en-US"/>
+            </a:defPPr>
+            <a:lvl1pPr marL="0" algn="l" defTabSz="1218987" rtl="0" eaLnBrk="1" latinLnBrk="0" hangingPunct="1">
+              <a:defRPr sz="2400" kern="1200">
+                <a:solidFill>
+                  <a:schemeClr val="tx1"/>
+                </a:solidFill>
+                <a:latin typeface="+mn-lt"/>
+                <a:ea typeface="+mn-ea"/>
+                <a:cs typeface="+mn-cs"/>
+              </a:defRPr>
+            </a:lvl1pPr>
+            <a:lvl2pPr marL="609493" algn="l" defTabSz="1218987" rtl="0" eaLnBrk="1" latinLnBrk="0" hangingPunct="1">
+              <a:defRPr sz="2400" kern="1200">
+                <a:solidFill>
+                  <a:schemeClr val="tx1"/>
+                </a:solidFill>
+                <a:latin typeface="+mn-lt"/>
+                <a:ea typeface="+mn-ea"/>
+                <a:cs typeface="+mn-cs"/>
+              </a:defRPr>
+            </a:lvl2pPr>
+            <a:lvl3pPr marL="1218987" algn="l" defTabSz="1218987" rtl="0" eaLnBrk="1" latinLnBrk="0" hangingPunct="1">
+              <a:defRPr sz="2400" kern="1200">
+                <a:solidFill>
+                  <a:schemeClr val="tx1"/>
+                </a:solidFill>
+                <a:latin typeface="+mn-lt"/>
+                <a:ea typeface="+mn-ea"/>
+                <a:cs typeface="+mn-cs"/>
+              </a:defRPr>
+            </a:lvl3pPr>
+            <a:lvl4pPr marL="1828480" algn="l" defTabSz="1218987" rtl="0" eaLnBrk="1" latinLnBrk="0" hangingPunct="1">
+              <a:defRPr sz="2400" kern="1200">
+                <a:solidFill>
+                  <a:schemeClr val="tx1"/>
+                </a:solidFill>
+                <a:latin typeface="+mn-lt"/>
+                <a:ea typeface="+mn-ea"/>
+                <a:cs typeface="+mn-cs"/>
+              </a:defRPr>
+            </a:lvl4pPr>
+            <a:lvl5pPr marL="2437973" algn="l" defTabSz="1218987" rtl="0" eaLnBrk="1" latinLnBrk="0" hangingPunct="1">
+              <a:defRPr sz="2400" kern="1200">
+                <a:solidFill>
+                  <a:schemeClr val="tx1"/>
+                </a:solidFill>
+                <a:latin typeface="+mn-lt"/>
+                <a:ea typeface="+mn-ea"/>
+                <a:cs typeface="+mn-cs"/>
+              </a:defRPr>
+            </a:lvl5pPr>
+            <a:lvl6pPr marL="3047467" algn="l" defTabSz="1218987" rtl="0" eaLnBrk="1" latinLnBrk="0" hangingPunct="1">
+              <a:defRPr sz="2400" kern="1200">
+                <a:solidFill>
+                  <a:schemeClr val="tx1"/>
+                </a:solidFill>
+                <a:latin typeface="+mn-lt"/>
+                <a:ea typeface="+mn-ea"/>
+                <a:cs typeface="+mn-cs"/>
+              </a:defRPr>
+            </a:lvl6pPr>
+            <a:lvl7pPr marL="3656960" algn="l" defTabSz="1218987" rtl="0" eaLnBrk="1" latinLnBrk="0" hangingPunct="1">
+              <a:defRPr sz="2400" kern="1200">
+                <a:solidFill>
+                  <a:schemeClr val="tx1"/>
+                </a:solidFill>
+                <a:latin typeface="+mn-lt"/>
+                <a:ea typeface="+mn-ea"/>
+                <a:cs typeface="+mn-cs"/>
+              </a:defRPr>
+            </a:lvl7pPr>
+            <a:lvl8pPr marL="4266453" algn="l" defTabSz="1218987" rtl="0" eaLnBrk="1" latinLnBrk="0" hangingPunct="1">
+              <a:defRPr sz="2400" kern="1200">
+                <a:solidFill>
+                  <a:schemeClr val="tx1"/>
+                </a:solidFill>
+                <a:latin typeface="+mn-lt"/>
+                <a:ea typeface="+mn-ea"/>
+                <a:cs typeface="+mn-cs"/>
+              </a:defRPr>
+            </a:lvl8pPr>
+            <a:lvl9pPr marL="4875947" algn="l" defTabSz="1218987" rtl="0" eaLnBrk="1" latinLnBrk="0" hangingPunct="1">
+              <a:defRPr sz="2400" kern="1200">
+                <a:solidFill>
+                  <a:schemeClr val="tx1"/>
+                </a:solidFill>
+                <a:latin typeface="+mn-lt"/>
+                <a:ea typeface="+mn-ea"/>
+                <a:cs typeface="+mn-cs"/>
+              </a:defRPr>
+            </a:lvl9pPr>
+          </a:lstStyle>
+          <a:p>
+            <a:pPr algn="ctr">
+              <a:lnSpc>
+                <a:spcPct val="107000"/>
+              </a:lnSpc>
+            </a:pPr>
+            <a:r>
+              <a:rPr lang="bg-BG" sz="2400" dirty="0">
+                <a:effectLst/>
+                <a:latin typeface="Calibri" panose="020F0502020204030204" pitchFamily="34" charset="0"/>
+                <a:ea typeface="Calibri" panose="020F0502020204030204" pitchFamily="34" charset="0"/>
+                <a:cs typeface="Times New Roman" panose="02020603050405020304" pitchFamily="18" charset="0"/>
+              </a:rPr>
+              <a:t>Тествайте в </a:t>
+            </a:r>
+            <a:r>
+              <a:rPr lang="en-US" dirty="0">
+                <a:latin typeface="Calibri" panose="020F0502020204030204" pitchFamily="34" charset="0"/>
+                <a:ea typeface="Calibri" panose="020F0502020204030204" pitchFamily="34" charset="0"/>
+                <a:cs typeface="Times New Roman" panose="02020603050405020304" pitchFamily="18" charset="0"/>
+              </a:rPr>
+              <a:t>Judge: </a:t>
+            </a:r>
+            <a:r>
+              <a:rPr lang="en-US" dirty="0">
+                <a:latin typeface="Calibri" panose="020F0502020204030204" pitchFamily="34" charset="0"/>
+                <a:ea typeface="Calibri" panose="020F0502020204030204" pitchFamily="34" charset="0"/>
+                <a:cs typeface="Times New Roman" panose="02020603050405020304" pitchFamily="18" charset="0"/>
+                <a:hlinkClick r:id="rId2"/>
+              </a:rPr>
+              <a:t>https://</a:t>
+            </a:r>
+            <a:r>
+              <a:rPr lang="en-US" dirty="0" smtClean="0">
+                <a:latin typeface="Calibri" panose="020F0502020204030204" pitchFamily="34" charset="0"/>
+                <a:ea typeface="Calibri" panose="020F0502020204030204" pitchFamily="34" charset="0"/>
+                <a:cs typeface="Times New Roman" panose="02020603050405020304" pitchFamily="18" charset="0"/>
+                <a:hlinkClick r:id="rId2"/>
+              </a:rPr>
+              <a:t>judge.softuni.bg/Contests/2650</a:t>
+            </a:r>
+            <a:endParaRPr lang="en-US" sz="2400" dirty="0">
+              <a:effectLst/>
+              <a:latin typeface="Calibri" panose="020F0502020204030204" pitchFamily="34" charset="0"/>
+              <a:ea typeface="Calibri" panose="020F0502020204030204" pitchFamily="34" charset="0"/>
+              <a:cs typeface="Times New Roman" panose="02020603050405020304" pitchFamily="18" charset="0"/>
+            </a:endParaRPr>
+          </a:p>
+        </p:txBody>
+      </p:sp>
     </p:spTree>
     <p:extLst>
       <p:ext uri="{BB962C8B-B14F-4D97-AF65-F5344CB8AC3E}">
@@ -17143,6 +18177,13 @@
   <p:clrMapOvr>
     <a:masterClrMapping/>
   </p:clrMapOvr>
+  <p:timing>
+    <p:tnLst>
+      <p:par>
+        <p:cTn id="1" dur="indefinite" restart="never" nodeType="tmRoot"/>
+      </p:par>
+    </p:tnLst>
+  </p:timing>
 </p:sld>
 </file>
 
@@ -17369,6 +18410,13 @@
   <p:clrMapOvr>
     <a:masterClrMapping/>
   </p:clrMapOvr>
+  <p:timing>
+    <p:tnLst>
+      <p:par>
+        <p:cTn id="1" dur="indefinite" restart="never" nodeType="tmRoot"/>
+      </p:par>
+    </p:tnLst>
+  </p:timing>
 </p:sld>
 </file>
 

--- a/Courses/Applied-Programmer/Programming-Fundamentals/02-Типове-данни/08.Типове-данни-текстов-и-обектен-тип.pptx
+++ b/Courses/Applied-Programmer/Programming-Fundamentals/02-Типове-данни/08.Типове-данни-текстов-и-обектен-тип.pptx
@@ -365,7 +365,7 @@
             <a:fld id="{FE5B4EDC-59C0-49C7-8ADA-5A781B329E02}" type="datetimeFigureOut">
               <a:rPr lang="en-US"/>
               <a:pPr/>
-              <a:t>11-Nov-20</a:t>
+              <a:t>19-Nov-20</a:t>
             </a:fld>
             <a:endParaRPr dirty="0"/>
           </a:p>
@@ -663,7 +663,7 @@
             <a:fld id="{F2D8D46A-B586-417D-BFBD-8C8FE0AAF762}" type="datetimeFigureOut">
               <a:rPr lang="en-US" smtClean="0"/>
               <a:pPr/>
-              <a:t>11-Nov-20</a:t>
+              <a:t>19-Nov-20</a:t>
             </a:fld>
             <a:endParaRPr lang="en-US" dirty="0"/>
           </a:p>
@@ -4025,10 +4025,10 @@
         </p:nvGrpSpPr>
         <p:grpSpPr>
           <a:xfrm>
-            <a:off x="760412" y="3583505"/>
-            <a:ext cx="5043827" cy="2524722"/>
-            <a:chOff x="745783" y="3624633"/>
-            <a:chExt cx="5043827" cy="2524722"/>
+            <a:off x="268076" y="3583505"/>
+            <a:ext cx="5536163" cy="2715843"/>
+            <a:chOff x="253447" y="3624633"/>
+            <a:chExt cx="5536163" cy="2715843"/>
           </a:xfrm>
         </p:grpSpPr>
         <p:pic>
@@ -4085,7 +4085,7 @@
           </p:blipFill>
           <p:spPr bwMode="auto">
             <a:xfrm>
-              <a:off x="745783" y="4076772"/>
+              <a:off x="300943" y="4262380"/>
               <a:ext cx="2175525" cy="761165"/>
             </a:xfrm>
             <a:prstGeom prst="roundRect">
@@ -4124,7 +4124,7 @@
           </p:nvSpPr>
           <p:spPr bwMode="auto">
             <a:xfrm>
-              <a:off x="760413" y="4998598"/>
+              <a:off x="300943" y="5088330"/>
               <a:ext cx="3187614" cy="444343"/>
             </a:xfrm>
             <a:prstGeom prst="rect">
@@ -4381,7 +4381,7 @@
           </p:nvSpPr>
           <p:spPr bwMode="auto">
             <a:xfrm>
-              <a:off x="760412" y="5403725"/>
+              <a:off x="253447" y="5501940"/>
               <a:ext cx="3187613" cy="382788"/>
             </a:xfrm>
             <a:prstGeom prst="rect">
@@ -4637,7 +4637,7 @@
           </p:nvSpPr>
           <p:spPr bwMode="auto">
             <a:xfrm>
-              <a:off x="760412" y="5690893"/>
+              <a:off x="264061" y="5882014"/>
               <a:ext cx="3810000" cy="458462"/>
             </a:xfrm>
             <a:prstGeom prst="rect">
@@ -4878,6 +4878,141 @@
           </p:txBody>
         </p:sp>
       </p:grpSp>
+      <p:sp>
+        <p:nvSpPr>
+          <p:cNvPr id="12" name="Text Placeholder 11">
+            <a:extLst>
+              <a:ext uri="{FF2B5EF4-FFF2-40B4-BE49-F238E27FC236}">
+                <a16:creationId xmlns:a16="http://schemas.microsoft.com/office/drawing/2014/main" id="{E5588C03-3730-4A9D-AECE-EC28706EEE4E}"/>
+              </a:ext>
+            </a:extLst>
+          </p:cNvPr>
+          <p:cNvSpPr txBox="1">
+            <a:spLocks/>
+          </p:cNvSpPr>
+          <p:nvPr/>
+        </p:nvSpPr>
+        <p:spPr bwMode="auto">
+          <a:xfrm>
+            <a:off x="278690" y="6329720"/>
+            <a:ext cx="11885613" cy="349702"/>
+          </a:xfrm>
+          <a:prstGeom prst="rect">
+            <a:avLst/>
+          </a:prstGeom>
+          <a:noFill/>
+          <a:effectLst/>
+        </p:spPr>
+        <p:txBody>
+          <a:bodyPr vert="horz" wrap="square" lIns="36000" tIns="36000" rIns="36000" bIns="36000" rtlCol="0" anchor="ctr" anchorCtr="0">
+            <a:spAutoFit/>
+          </a:bodyPr>
+          <a:lstStyle>
+            <a:defPPr>
+              <a:defRPr lang="en-US"/>
+            </a:defPPr>
+            <a:lvl1pPr marL="0" algn="l" defTabSz="1218987" rtl="0" eaLnBrk="1" latinLnBrk="0" hangingPunct="1">
+              <a:defRPr sz="2400" kern="1200">
+                <a:solidFill>
+                  <a:schemeClr val="tx1"/>
+                </a:solidFill>
+                <a:latin typeface="+mn-lt"/>
+                <a:ea typeface="+mn-ea"/>
+                <a:cs typeface="+mn-cs"/>
+              </a:defRPr>
+            </a:lvl1pPr>
+            <a:lvl2pPr marL="609493" algn="l" defTabSz="1218987" rtl="0" eaLnBrk="1" latinLnBrk="0" hangingPunct="1">
+              <a:defRPr sz="2400" kern="1200">
+                <a:solidFill>
+                  <a:schemeClr val="tx1"/>
+                </a:solidFill>
+                <a:latin typeface="+mn-lt"/>
+                <a:ea typeface="+mn-ea"/>
+                <a:cs typeface="+mn-cs"/>
+              </a:defRPr>
+            </a:lvl2pPr>
+            <a:lvl3pPr marL="1218987" algn="l" defTabSz="1218987" rtl="0" eaLnBrk="1" latinLnBrk="0" hangingPunct="1">
+              <a:defRPr sz="2400" kern="1200">
+                <a:solidFill>
+                  <a:schemeClr val="tx1"/>
+                </a:solidFill>
+                <a:latin typeface="+mn-lt"/>
+                <a:ea typeface="+mn-ea"/>
+                <a:cs typeface="+mn-cs"/>
+              </a:defRPr>
+            </a:lvl3pPr>
+            <a:lvl4pPr marL="1828480" algn="l" defTabSz="1218987" rtl="0" eaLnBrk="1" latinLnBrk="0" hangingPunct="1">
+              <a:defRPr sz="2400" kern="1200">
+                <a:solidFill>
+                  <a:schemeClr val="tx1"/>
+                </a:solidFill>
+                <a:latin typeface="+mn-lt"/>
+                <a:ea typeface="+mn-ea"/>
+                <a:cs typeface="+mn-cs"/>
+              </a:defRPr>
+            </a:lvl4pPr>
+            <a:lvl5pPr marL="2437973" algn="l" defTabSz="1218987" rtl="0" eaLnBrk="1" latinLnBrk="0" hangingPunct="1">
+              <a:defRPr sz="2400" kern="1200">
+                <a:solidFill>
+                  <a:schemeClr val="tx1"/>
+                </a:solidFill>
+                <a:latin typeface="+mn-lt"/>
+                <a:ea typeface="+mn-ea"/>
+                <a:cs typeface="+mn-cs"/>
+              </a:defRPr>
+            </a:lvl5pPr>
+            <a:lvl6pPr marL="3047467" algn="l" defTabSz="1218987" rtl="0" eaLnBrk="1" latinLnBrk="0" hangingPunct="1">
+              <a:defRPr sz="2400" kern="1200">
+                <a:solidFill>
+                  <a:schemeClr val="tx1"/>
+                </a:solidFill>
+                <a:latin typeface="+mn-lt"/>
+                <a:ea typeface="+mn-ea"/>
+                <a:cs typeface="+mn-cs"/>
+              </a:defRPr>
+            </a:lvl6pPr>
+            <a:lvl7pPr marL="3656960" algn="l" defTabSz="1218987" rtl="0" eaLnBrk="1" latinLnBrk="0" hangingPunct="1">
+              <a:defRPr sz="2400" kern="1200">
+                <a:solidFill>
+                  <a:schemeClr val="tx1"/>
+                </a:solidFill>
+                <a:latin typeface="+mn-lt"/>
+                <a:ea typeface="+mn-ea"/>
+                <a:cs typeface="+mn-cs"/>
+              </a:defRPr>
+            </a:lvl7pPr>
+            <a:lvl8pPr marL="4266453" algn="l" defTabSz="1218987" rtl="0" eaLnBrk="1" latinLnBrk="0" hangingPunct="1">
+              <a:defRPr sz="2400" kern="1200">
+                <a:solidFill>
+                  <a:schemeClr val="tx1"/>
+                </a:solidFill>
+                <a:latin typeface="+mn-lt"/>
+                <a:ea typeface="+mn-ea"/>
+                <a:cs typeface="+mn-cs"/>
+              </a:defRPr>
+            </a:lvl8pPr>
+            <a:lvl9pPr marL="4875947" algn="l" defTabSz="1218987" rtl="0" eaLnBrk="1" latinLnBrk="0" hangingPunct="1">
+              <a:defRPr sz="2400" kern="1200">
+                <a:solidFill>
+                  <a:schemeClr val="tx1"/>
+                </a:solidFill>
+                <a:latin typeface="+mn-lt"/>
+                <a:ea typeface="+mn-ea"/>
+                <a:cs typeface="+mn-cs"/>
+              </a:defRPr>
+            </a:lvl9pPr>
+          </a:lstStyle>
+          <a:p>
+            <a:r>
+              <a:rPr lang="en-US" sz="1800" b="1" dirty="0">
+                <a:hlinkClick r:id="rId8"/>
+              </a:rPr>
+              <a:t>https://github.com/BG-IT-Edu/School-Programming/tree/main/Courses/Applied-Programmer/Programming-Fundamentals</a:t>
+            </a:r>
+            <a:endParaRPr lang="en-GB" sz="1800" b="1" dirty="0"/>
+          </a:p>
+        </p:txBody>
+      </p:sp>
     </p:spTree>
     <p:extLst>
       <p:ext uri="{BB962C8B-B14F-4D97-AF65-F5344CB8AC3E}">
@@ -4888,13 +5023,6 @@
   <p:clrMapOvr>
     <a:masterClrMapping/>
   </p:clrMapOvr>
-  <p:timing>
-    <p:tnLst>
-      <p:par>
-        <p:cTn id="1" dur="indefinite" restart="never" nodeType="tmRoot"/>
-      </p:par>
-    </p:tnLst>
-  </p:timing>
 </p:sld>
 </file>
 
@@ -4958,16 +5086,6 @@
                 </a:solidFill>
               </a:rPr>
               <a:t>конвенциите за именуване </a:t>
-            </a:r>
-            <a:r>
-              <a:rPr lang="en-US" sz="2900" dirty="0">
-                <a:solidFill>
-                  <a:schemeClr val="tx2">
-                    <a:lumMod val="75000"/>
-                  </a:schemeClr>
-                </a:solidFill>
-              </a:rPr>
-              <a:t/>
             </a:r>
             <a:br>
               <a:rPr lang="en-US" sz="2900" dirty="0">
@@ -10840,13 +10958,6 @@
   <p:clrMapOvr>
     <a:masterClrMapping/>
   </p:clrMapOvr>
-  <p:timing>
-    <p:tnLst>
-      <p:par>
-        <p:cTn id="1" dur="indefinite" restart="never" nodeType="tmRoot"/>
-      </p:par>
-    </p:tnLst>
-  </p:timing>
 </p:sld>
 </file>
 
@@ -12058,13 +12169,6 @@
   <p:clrMapOvr>
     <a:masterClrMapping/>
   </p:clrMapOvr>
-  <p:timing>
-    <p:tnLst>
-      <p:par>
-        <p:cTn id="1" dur="indefinite" restart="never" nodeType="tmRoot"/>
-      </p:par>
-    </p:tnLst>
-  </p:timing>
 </p:sld>
 </file>
 
@@ -12489,31 +12593,136 @@
       </p:sp>
       <p:sp>
         <p:nvSpPr>
-          <p:cNvPr id="3" name="Text Placeholder 2"/>
-          <p:cNvSpPr>
-            <a:spLocks noGrp="1"/>
+          <p:cNvPr id="6" name="Text Placeholder 11">
+            <a:extLst>
+              <a:ext uri="{FF2B5EF4-FFF2-40B4-BE49-F238E27FC236}">
+                <a16:creationId xmlns:a16="http://schemas.microsoft.com/office/drawing/2014/main" id="{9CFD3342-3EA3-4A11-B354-424E9AEF1EE2}"/>
+              </a:ext>
+            </a:extLst>
+          </p:cNvPr>
+          <p:cNvSpPr txBox="1">
+            <a:spLocks/>
           </p:cNvSpPr>
-          <p:nvPr>
-            <p:ph type="body" sz="quarter" idx="10"/>
-          </p:nvPr>
+          <p:nvPr/>
         </p:nvSpPr>
-        <p:spPr>
+        <p:spPr bwMode="auto">
           <a:xfrm>
-            <a:off x="1529384" y="6400802"/>
-            <a:ext cx="10482604" cy="363552"/>
+            <a:off x="188815" y="6400800"/>
+            <a:ext cx="11885613" cy="349702"/>
           </a:xfrm>
+          <a:prstGeom prst="rect">
+            <a:avLst/>
+          </a:prstGeom>
+          <a:noFill/>
+          <a:effectLst/>
         </p:spPr>
         <p:txBody>
-          <a:bodyPr/>
-          <a:lstStyle/>
-          <a:p>
-            <a:r>
-              <a:rPr lang="en-US" dirty="0">
+          <a:bodyPr vert="horz" wrap="square" lIns="36000" tIns="36000" rIns="36000" bIns="36000" rtlCol="0" anchor="ctr" anchorCtr="0">
+            <a:spAutoFit/>
+          </a:bodyPr>
+          <a:lstStyle>
+            <a:defPPr>
+              <a:defRPr lang="en-US"/>
+            </a:defPPr>
+            <a:lvl1pPr marL="0" algn="l" defTabSz="1218987" rtl="0" eaLnBrk="1" latinLnBrk="0" hangingPunct="1">
+              <a:defRPr sz="2400" kern="1200">
+                <a:solidFill>
+                  <a:schemeClr val="tx1"/>
+                </a:solidFill>
+                <a:latin typeface="+mn-lt"/>
+                <a:ea typeface="+mn-ea"/>
+                <a:cs typeface="+mn-cs"/>
+              </a:defRPr>
+            </a:lvl1pPr>
+            <a:lvl2pPr marL="609493" algn="l" defTabSz="1218987" rtl="0" eaLnBrk="1" latinLnBrk="0" hangingPunct="1">
+              <a:defRPr sz="2400" kern="1200">
+                <a:solidFill>
+                  <a:schemeClr val="tx1"/>
+                </a:solidFill>
+                <a:latin typeface="+mn-lt"/>
+                <a:ea typeface="+mn-ea"/>
+                <a:cs typeface="+mn-cs"/>
+              </a:defRPr>
+            </a:lvl2pPr>
+            <a:lvl3pPr marL="1218987" algn="l" defTabSz="1218987" rtl="0" eaLnBrk="1" latinLnBrk="0" hangingPunct="1">
+              <a:defRPr sz="2400" kern="1200">
+                <a:solidFill>
+                  <a:schemeClr val="tx1"/>
+                </a:solidFill>
+                <a:latin typeface="+mn-lt"/>
+                <a:ea typeface="+mn-ea"/>
+                <a:cs typeface="+mn-cs"/>
+              </a:defRPr>
+            </a:lvl3pPr>
+            <a:lvl4pPr marL="1828480" algn="l" defTabSz="1218987" rtl="0" eaLnBrk="1" latinLnBrk="0" hangingPunct="1">
+              <a:defRPr sz="2400" kern="1200">
+                <a:solidFill>
+                  <a:schemeClr val="tx1"/>
+                </a:solidFill>
+                <a:latin typeface="+mn-lt"/>
+                <a:ea typeface="+mn-ea"/>
+                <a:cs typeface="+mn-cs"/>
+              </a:defRPr>
+            </a:lvl4pPr>
+            <a:lvl5pPr marL="2437973" algn="l" defTabSz="1218987" rtl="0" eaLnBrk="1" latinLnBrk="0" hangingPunct="1">
+              <a:defRPr sz="2400" kern="1200">
+                <a:solidFill>
+                  <a:schemeClr val="tx1"/>
+                </a:solidFill>
+                <a:latin typeface="+mn-lt"/>
+                <a:ea typeface="+mn-ea"/>
+                <a:cs typeface="+mn-cs"/>
+              </a:defRPr>
+            </a:lvl5pPr>
+            <a:lvl6pPr marL="3047467" algn="l" defTabSz="1218987" rtl="0" eaLnBrk="1" latinLnBrk="0" hangingPunct="1">
+              <a:defRPr sz="2400" kern="1200">
+                <a:solidFill>
+                  <a:schemeClr val="tx1"/>
+                </a:solidFill>
+                <a:latin typeface="+mn-lt"/>
+                <a:ea typeface="+mn-ea"/>
+                <a:cs typeface="+mn-cs"/>
+              </a:defRPr>
+            </a:lvl6pPr>
+            <a:lvl7pPr marL="3656960" algn="l" defTabSz="1218987" rtl="0" eaLnBrk="1" latinLnBrk="0" hangingPunct="1">
+              <a:defRPr sz="2400" kern="1200">
+                <a:solidFill>
+                  <a:schemeClr val="tx1"/>
+                </a:solidFill>
+                <a:latin typeface="+mn-lt"/>
+                <a:ea typeface="+mn-ea"/>
+                <a:cs typeface="+mn-cs"/>
+              </a:defRPr>
+            </a:lvl7pPr>
+            <a:lvl8pPr marL="4266453" algn="l" defTabSz="1218987" rtl="0" eaLnBrk="1" latinLnBrk="0" hangingPunct="1">
+              <a:defRPr sz="2400" kern="1200">
+                <a:solidFill>
+                  <a:schemeClr val="tx1"/>
+                </a:solidFill>
+                <a:latin typeface="+mn-lt"/>
+                <a:ea typeface="+mn-ea"/>
+                <a:cs typeface="+mn-cs"/>
+              </a:defRPr>
+            </a:lvl8pPr>
+            <a:lvl9pPr marL="4875947" algn="l" defTabSz="1218987" rtl="0" eaLnBrk="1" latinLnBrk="0" hangingPunct="1">
+              <a:defRPr sz="2400" kern="1200">
+                <a:solidFill>
+                  <a:schemeClr val="tx1"/>
+                </a:solidFill>
+                <a:latin typeface="+mn-lt"/>
+                <a:ea typeface="+mn-ea"/>
+                <a:cs typeface="+mn-cs"/>
+              </a:defRPr>
+            </a:lvl9pPr>
+          </a:lstStyle>
+          <a:p>
+            <a:r>
+              <a:rPr lang="en-US" sz="1800" b="1" dirty="0">
                 <a:hlinkClick r:id="rId3"/>
               </a:rPr>
-              <a:t>https://it-kariera.mon.bg/e-learning/</a:t>
-            </a:r>
-            <a:endParaRPr lang="en-US" dirty="0"/>
+              <a:t>https://github.com/BG-IT-Edu/School-Programming/tree/main/Courses/Applied-Programmer/Programming-Fundamentals</a:t>
+            </a:r>
+            <a:endParaRPr lang="en-GB" sz="1800" b="1" dirty="0"/>
           </a:p>
         </p:txBody>
       </p:sp>
@@ -13003,13 +13212,6 @@
   <p:clrMapOvr>
     <a:masterClrMapping/>
   </p:clrMapOvr>
-  <p:timing>
-    <p:tnLst>
-      <p:par>
-        <p:cTn id="1" dur="indefinite" restart="never" nodeType="tmRoot"/>
-      </p:par>
-    </p:tnLst>
-  </p:timing>
 </p:sld>
 </file>
 
@@ -17119,16 +17321,7 @@
                 <a:cs typeface="Times New Roman" panose="02020603050405020304" pitchFamily="18" charset="0"/>
                 <a:hlinkClick r:id="rId2"/>
               </a:rPr>
-              <a:t>https://</a:t>
-            </a:r>
-            <a:r>
-              <a:rPr lang="en-US" dirty="0" smtClean="0">
-                <a:latin typeface="Calibri" panose="020F0502020204030204" pitchFamily="34" charset="0"/>
-                <a:ea typeface="Calibri" panose="020F0502020204030204" pitchFamily="34" charset="0"/>
-                <a:cs typeface="Times New Roman" panose="02020603050405020304" pitchFamily="18" charset="0"/>
-                <a:hlinkClick r:id="rId2"/>
-              </a:rPr>
-              <a:t>judge.softuni.bg/Contests/2650</a:t>
+              <a:t>https://judge.softuni.bg/Contests/2650</a:t>
             </a:r>
             <a:endParaRPr lang="en-US" sz="2400" dirty="0">
               <a:effectLst/>
@@ -17149,13 +17342,6 @@
   <p:clrMapOvr>
     <a:masterClrMapping/>
   </p:clrMapOvr>
-  <p:timing>
-    <p:tnLst>
-      <p:par>
-        <p:cTn id="1" dur="indefinite" restart="never" nodeType="tmRoot"/>
-      </p:par>
-    </p:tnLst>
-  </p:timing>
 </p:sld>
 </file>
 
@@ -18147,16 +18333,7 @@
                 <a:cs typeface="Times New Roman" panose="02020603050405020304" pitchFamily="18" charset="0"/>
                 <a:hlinkClick r:id="rId2"/>
               </a:rPr>
-              <a:t>https://</a:t>
-            </a:r>
-            <a:r>
-              <a:rPr lang="en-US" dirty="0" smtClean="0">
-                <a:latin typeface="Calibri" panose="020F0502020204030204" pitchFamily="34" charset="0"/>
-                <a:ea typeface="Calibri" panose="020F0502020204030204" pitchFamily="34" charset="0"/>
-                <a:cs typeface="Times New Roman" panose="02020603050405020304" pitchFamily="18" charset="0"/>
-                <a:hlinkClick r:id="rId2"/>
-              </a:rPr>
-              <a:t>judge.softuni.bg/Contests/2650</a:t>
+              <a:t>https://judge.softuni.bg/Contests/2650</a:t>
             </a:r>
             <a:endParaRPr lang="en-US" sz="2400" dirty="0">
               <a:effectLst/>
@@ -18177,13 +18354,6 @@
   <p:clrMapOvr>
     <a:masterClrMapping/>
   </p:clrMapOvr>
-  <p:timing>
-    <p:tnLst>
-      <p:par>
-        <p:cTn id="1" dur="indefinite" restart="never" nodeType="tmRoot"/>
-      </p:par>
-    </p:tnLst>
-  </p:timing>
 </p:sld>
 </file>
 
@@ -18410,13 +18580,6 @@
   <p:clrMapOvr>
     <a:masterClrMapping/>
   </p:clrMapOvr>
-  <p:timing>
-    <p:tnLst>
-      <p:par>
-        <p:cTn id="1" dur="indefinite" restart="never" nodeType="tmRoot"/>
-      </p:par>
-    </p:tnLst>
-  </p:timing>
 </p:sld>
 </file>
 

--- a/Courses/Applied-Programmer/Programming-Fundamentals/02-Типове-данни/08.Типове-данни-текстов-и-обектен-тип.pptx
+++ b/Courses/Applied-Programmer/Programming-Fundamentals/02-Типове-данни/08.Типове-данни-текстов-и-обектен-тип.pptx
@@ -365,7 +365,7 @@
             <a:fld id="{FE5B4EDC-59C0-49C7-8ADA-5A781B329E02}" type="datetimeFigureOut">
               <a:rPr lang="en-US"/>
               <a:pPr/>
-              <a:t>19-Nov-20</a:t>
+              <a:t>21-Nov-20</a:t>
             </a:fld>
             <a:endParaRPr dirty="0"/>
           </a:p>
@@ -663,7 +663,7 @@
             <a:fld id="{F2D8D46A-B586-417D-BFBD-8C8FE0AAF762}" type="datetimeFigureOut">
               <a:rPr lang="en-US" smtClean="0"/>
               <a:pPr/>
-              <a:t>19-Nov-20</a:t>
+              <a:t>21-Nov-20</a:t>
             </a:fld>
             <a:endParaRPr lang="en-US" dirty="0"/>
           </a:p>
@@ -5966,6 +5966,153 @@
                                           </p:stCondLst>
                                         </p:cTn>
                                         <p:tgtEl>
+                                          <p:spTgt spid="3">
+                                            <p:txEl>
+                                              <p:pRg st="1" end="1"/>
+                                            </p:txEl>
+                                          </p:spTgt>
+                                        </p:tgtEl>
+                                        <p:attrNameLst>
+                                          <p:attrName>style.visibility</p:attrName>
+                                        </p:attrNameLst>
+                                      </p:cBhvr>
+                                      <p:to>
+                                        <p:strVal val="visible"/>
+                                      </p:to>
+                                    </p:set>
+                                  </p:childTnLst>
+                                </p:cTn>
+                              </p:par>
+                            </p:childTnLst>
+                          </p:cTn>
+                        </p:par>
+                      </p:childTnLst>
+                    </p:cTn>
+                  </p:par>
+                  <p:par>
+                    <p:cTn id="7" fill="hold">
+                      <p:stCondLst>
+                        <p:cond delay="indefinite"/>
+                      </p:stCondLst>
+                      <p:childTnLst>
+                        <p:par>
+                          <p:cTn id="8" fill="hold">
+                            <p:stCondLst>
+                              <p:cond delay="0"/>
+                            </p:stCondLst>
+                            <p:childTnLst>
+                              <p:par>
+                                <p:cTn id="9" presetID="1" presetClass="entr" presetSubtype="0" fill="hold" nodeType="clickEffect">
+                                  <p:stCondLst>
+                                    <p:cond delay="0"/>
+                                  </p:stCondLst>
+                                  <p:childTnLst>
+                                    <p:set>
+                                      <p:cBhvr>
+                                        <p:cTn id="10" dur="1" fill="hold">
+                                          <p:stCondLst>
+                                            <p:cond delay="0"/>
+                                          </p:stCondLst>
+                                        </p:cTn>
+                                        <p:tgtEl>
+                                          <p:spTgt spid="3">
+                                            <p:txEl>
+                                              <p:pRg st="2" end="2"/>
+                                            </p:txEl>
+                                          </p:spTgt>
+                                        </p:tgtEl>
+                                        <p:attrNameLst>
+                                          <p:attrName>style.visibility</p:attrName>
+                                        </p:attrNameLst>
+                                      </p:cBhvr>
+                                      <p:to>
+                                        <p:strVal val="visible"/>
+                                      </p:to>
+                                    </p:set>
+                                  </p:childTnLst>
+                                </p:cTn>
+                              </p:par>
+                            </p:childTnLst>
+                          </p:cTn>
+                        </p:par>
+                      </p:childTnLst>
+                    </p:cTn>
+                  </p:par>
+                  <p:par>
+                    <p:cTn id="11" fill="hold">
+                      <p:stCondLst>
+                        <p:cond delay="indefinite"/>
+                      </p:stCondLst>
+                      <p:childTnLst>
+                        <p:par>
+                          <p:cTn id="12" fill="hold">
+                            <p:stCondLst>
+                              <p:cond delay="0"/>
+                            </p:stCondLst>
+                            <p:childTnLst>
+                              <p:par>
+                                <p:cTn id="13" presetID="1" presetClass="entr" presetSubtype="0" fill="hold" nodeType="clickEffect">
+                                  <p:stCondLst>
+                                    <p:cond delay="0"/>
+                                  </p:stCondLst>
+                                  <p:childTnLst>
+                                    <p:set>
+                                      <p:cBhvr>
+                                        <p:cTn id="14" dur="1" fill="hold">
+                                          <p:stCondLst>
+                                            <p:cond delay="0"/>
+                                          </p:stCondLst>
+                                        </p:cTn>
+                                        <p:tgtEl>
+                                          <p:spTgt spid="3">
+                                            <p:txEl>
+                                              <p:pRg st="3" end="3"/>
+                                            </p:txEl>
+                                          </p:spTgt>
+                                        </p:tgtEl>
+                                        <p:attrNameLst>
+                                          <p:attrName>style.visibility</p:attrName>
+                                        </p:attrNameLst>
+                                      </p:cBhvr>
+                                      <p:to>
+                                        <p:strVal val="visible"/>
+                                      </p:to>
+                                    </p:set>
+                                  </p:childTnLst>
+                                </p:cTn>
+                              </p:par>
+                            </p:childTnLst>
+                          </p:cTn>
+                        </p:par>
+                      </p:childTnLst>
+                    </p:cTn>
+                  </p:par>
+                  <p:par>
+                    <p:cTn id="15" fill="hold">
+                      <p:stCondLst>
+                        <p:cond delay="indefinite"/>
+                      </p:stCondLst>
+                      <p:childTnLst>
+                        <p:par>
+                          <p:cTn id="16" fill="hold">
+                            <p:stCondLst>
+                              <p:cond delay="0"/>
+                            </p:stCondLst>
+                            <p:childTnLst>
+                              <p:par>
+                                <p:cTn id="17" presetID="1" presetClass="entr" presetSubtype="0" fill="hold" nodeType="clickEffect">
+                                  <p:stCondLst>
+                                    <p:cond delay="0"/>
+                                  </p:stCondLst>
+                                  <p:childTnLst>
+                                    <p:set>
+                                      <p:cBhvr>
+                                        <p:cTn id="18" dur="1" fill="hold">
+                                          <p:stCondLst>
+                                            <p:cond delay="0"/>
+                                          </p:stCondLst>
+                                        </p:cTn>
+                                        <p:tgtEl>
                                           <p:spTgt spid="9"/>
                                         </p:tgtEl>
                                         <p:attrNameLst>
@@ -5980,14 +6127,14 @@
                                 </p:cTn>
                               </p:par>
                               <p:par>
-                                <p:cTn id="7" presetID="1" presetClass="entr" presetSubtype="0" fill="hold" grpId="0" nodeType="withEffect">
+                                <p:cTn id="19" presetID="1" presetClass="entr" presetSubtype="0" fill="hold" grpId="0" nodeType="withEffect">
                                   <p:stCondLst>
                                     <p:cond delay="0"/>
                                   </p:stCondLst>
                                   <p:childTnLst>
                                     <p:set>
                                       <p:cBhvr>
-                                        <p:cTn id="8" dur="1" fill="hold">
+                                        <p:cTn id="20" dur="1" fill="hold">
                                           <p:stCondLst>
                                             <p:cond delay="0"/>
                                           </p:stCondLst>
@@ -6013,26 +6160,26 @@
                     </p:cTn>
                   </p:par>
                   <p:par>
-                    <p:cTn id="9" fill="hold">
+                    <p:cTn id="21" fill="hold">
                       <p:stCondLst>
                         <p:cond delay="indefinite"/>
                       </p:stCondLst>
                       <p:childTnLst>
                         <p:par>
-                          <p:cTn id="10" fill="hold">
+                          <p:cTn id="22" fill="hold">
                             <p:stCondLst>
                               <p:cond delay="0"/>
                             </p:stCondLst>
                             <p:childTnLst>
                               <p:par>
-                                <p:cTn id="11" presetID="1" presetClass="entr" presetSubtype="0" fill="hold" nodeType="clickEffect">
+                                <p:cTn id="23" presetID="1" presetClass="entr" presetSubtype="0" fill="hold" nodeType="clickEffect">
                                   <p:stCondLst>
                                     <p:cond delay="0"/>
                                   </p:stCondLst>
                                   <p:childTnLst>
                                     <p:set>
                                       <p:cBhvr>
-                                        <p:cTn id="12" dur="1" fill="hold">
+                                        <p:cTn id="24" dur="1" fill="hold">
                                           <p:stCondLst>
                                             <p:cond delay="0"/>
                                           </p:stCondLst>
@@ -6052,14 +6199,14 @@
                                 </p:cTn>
                               </p:par>
                               <p:par>
-                                <p:cTn id="13" presetID="1" presetClass="entr" presetSubtype="0" fill="hold" grpId="0" nodeType="withEffect">
+                                <p:cTn id="25" presetID="1" presetClass="entr" presetSubtype="0" fill="hold" grpId="0" nodeType="withEffect">
                                   <p:stCondLst>
                                     <p:cond delay="0"/>
                                   </p:stCondLst>
                                   <p:childTnLst>
                                     <p:set>
                                       <p:cBhvr>
-                                        <p:cTn id="14" dur="1" fill="hold">
+                                        <p:cTn id="26" dur="1" fill="hold">
                                           <p:stCondLst>
                                             <p:cond delay="0"/>
                                           </p:stCondLst>
@@ -7210,7 +7357,7 @@
                             </p:stCondLst>
                             <p:childTnLst>
                               <p:par>
-                                <p:cTn id="5" presetID="1" presetClass="entr" presetSubtype="0" fill="hold" grpId="0" nodeType="clickEffect">
+                                <p:cTn id="5" presetID="1" presetClass="entr" presetSubtype="0" fill="hold" nodeType="clickEffect">
                                   <p:stCondLst>
                                     <p:cond delay="0"/>
                                   </p:stCondLst>
@@ -7223,7 +7370,11 @@
                                           </p:stCondLst>
                                         </p:cTn>
                                         <p:tgtEl>
-                                          <p:spTgt spid="10"/>
+                                          <p:spTgt spid="560131">
+                                            <p:txEl>
+                                              <p:pRg st="1" end="1"/>
+                                            </p:txEl>
+                                          </p:spTgt>
                                         </p:tgtEl>
                                         <p:attrNameLst>
                                           <p:attrName>style.visibility</p:attrName>
@@ -7255,7 +7406,7 @@
                             </p:stCondLst>
                             <p:childTnLst>
                               <p:par>
-                                <p:cTn id="9" presetID="1" presetClass="entr" presetSubtype="0" fill="hold" nodeType="clickEffect">
+                                <p:cTn id="9" presetID="1" presetClass="entr" presetSubtype="0" fill="hold" grpId="0" nodeType="clickEffect">
                                   <p:stCondLst>
                                     <p:cond delay="0"/>
                                   </p:stCondLst>
@@ -7263,6 +7414,96 @@
                                     <p:set>
                                       <p:cBhvr>
                                         <p:cTn id="10" dur="1" fill="hold">
+                                          <p:stCondLst>
+                                            <p:cond delay="0"/>
+                                          </p:stCondLst>
+                                        </p:cTn>
+                                        <p:tgtEl>
+                                          <p:spTgt spid="9"/>
+                                        </p:tgtEl>
+                                        <p:attrNameLst>
+                                          <p:attrName>style.visibility</p:attrName>
+                                        </p:attrNameLst>
+                                      </p:cBhvr>
+                                      <p:to>
+                                        <p:strVal val="visible"/>
+                                      </p:to>
+                                    </p:set>
+                                  </p:childTnLst>
+                                </p:cTn>
+                              </p:par>
+                            </p:childTnLst>
+                          </p:cTn>
+                        </p:par>
+                      </p:childTnLst>
+                    </p:cTn>
+                  </p:par>
+                  <p:par>
+                    <p:cTn id="11" fill="hold">
+                      <p:stCondLst>
+                        <p:cond delay="indefinite"/>
+                      </p:stCondLst>
+                      <p:childTnLst>
+                        <p:par>
+                          <p:cTn id="12" fill="hold">
+                            <p:stCondLst>
+                              <p:cond delay="0"/>
+                            </p:stCondLst>
+                            <p:childTnLst>
+                              <p:par>
+                                <p:cTn id="13" presetID="1" presetClass="entr" presetSubtype="0" fill="hold" grpId="0" nodeType="clickEffect">
+                                  <p:stCondLst>
+                                    <p:cond delay="0"/>
+                                  </p:stCondLst>
+                                  <p:childTnLst>
+                                    <p:set>
+                                      <p:cBhvr>
+                                        <p:cTn id="14" dur="1" fill="hold">
+                                          <p:stCondLst>
+                                            <p:cond delay="0"/>
+                                          </p:stCondLst>
+                                        </p:cTn>
+                                        <p:tgtEl>
+                                          <p:spTgt spid="10"/>
+                                        </p:tgtEl>
+                                        <p:attrNameLst>
+                                          <p:attrName>style.visibility</p:attrName>
+                                        </p:attrNameLst>
+                                      </p:cBhvr>
+                                      <p:to>
+                                        <p:strVal val="visible"/>
+                                      </p:to>
+                                    </p:set>
+                                  </p:childTnLst>
+                                </p:cTn>
+                              </p:par>
+                            </p:childTnLst>
+                          </p:cTn>
+                        </p:par>
+                      </p:childTnLst>
+                    </p:cTn>
+                  </p:par>
+                  <p:par>
+                    <p:cTn id="15" fill="hold">
+                      <p:stCondLst>
+                        <p:cond delay="indefinite"/>
+                      </p:stCondLst>
+                      <p:childTnLst>
+                        <p:par>
+                          <p:cTn id="16" fill="hold">
+                            <p:stCondLst>
+                              <p:cond delay="0"/>
+                            </p:stCondLst>
+                            <p:childTnLst>
+                              <p:par>
+                                <p:cTn id="17" presetID="1" presetClass="entr" presetSubtype="0" fill="hold" nodeType="clickEffect">
+                                  <p:stCondLst>
+                                    <p:cond delay="0"/>
+                                  </p:stCondLst>
+                                  <p:childTnLst>
+                                    <p:set>
+                                      <p:cBhvr>
+                                        <p:cTn id="18" dur="1" fill="hold">
                                           <p:stCondLst>
                                             <p:cond delay="0"/>
                                           </p:stCondLst>
@@ -7309,6 +7550,7 @@
       </p:par>
     </p:tnLst>
     <p:bldLst>
+      <p:bldP spid="9" grpId="0" animBg="1"/>
       <p:bldP spid="10" grpId="0" animBg="1"/>
     </p:bldLst>
   </p:timing>
@@ -8635,7 +8877,7 @@
                             </p:stCondLst>
                             <p:childTnLst>
                               <p:par>
-                                <p:cTn id="5" presetID="1" presetClass="entr" presetSubtype="0" fill="hold" grpId="0" nodeType="clickEffect">
+                                <p:cTn id="5" presetID="1" presetClass="entr" presetSubtype="0" fill="hold" nodeType="clickEffect">
                                   <p:stCondLst>
                                     <p:cond delay="0"/>
                                   </p:stCondLst>
@@ -8643,6 +8885,100 @@
                                     <p:set>
                                       <p:cBhvr>
                                         <p:cTn id="6" dur="1" fill="hold">
+                                          <p:stCondLst>
+                                            <p:cond delay="0"/>
+                                          </p:stCondLst>
+                                        </p:cTn>
+                                        <p:tgtEl>
+                                          <p:spTgt spid="560131">
+                                            <p:txEl>
+                                              <p:pRg st="1" end="1"/>
+                                            </p:txEl>
+                                          </p:spTgt>
+                                        </p:tgtEl>
+                                        <p:attrNameLst>
+                                          <p:attrName>style.visibility</p:attrName>
+                                        </p:attrNameLst>
+                                      </p:cBhvr>
+                                      <p:to>
+                                        <p:strVal val="visible"/>
+                                      </p:to>
+                                    </p:set>
+                                  </p:childTnLst>
+                                </p:cTn>
+                              </p:par>
+                            </p:childTnLst>
+                          </p:cTn>
+                        </p:par>
+                      </p:childTnLst>
+                    </p:cTn>
+                  </p:par>
+                  <p:par>
+                    <p:cTn id="7" fill="hold">
+                      <p:stCondLst>
+                        <p:cond delay="indefinite"/>
+                      </p:stCondLst>
+                      <p:childTnLst>
+                        <p:par>
+                          <p:cTn id="8" fill="hold">
+                            <p:stCondLst>
+                              <p:cond delay="0"/>
+                            </p:stCondLst>
+                            <p:childTnLst>
+                              <p:par>
+                                <p:cTn id="9" presetID="1" presetClass="entr" presetSubtype="0" fill="hold" grpId="0" nodeType="clickEffect">
+                                  <p:stCondLst>
+                                    <p:cond delay="0"/>
+                                  </p:stCondLst>
+                                  <p:childTnLst>
+                                    <p:set>
+                                      <p:cBhvr>
+                                        <p:cTn id="10" dur="1" fill="hold">
+                                          <p:stCondLst>
+                                            <p:cond delay="0"/>
+                                          </p:stCondLst>
+                                        </p:cTn>
+                                        <p:tgtEl>
+                                          <p:spTgt spid="15"/>
+                                        </p:tgtEl>
+                                        <p:attrNameLst>
+                                          <p:attrName>style.visibility</p:attrName>
+                                        </p:attrNameLst>
+                                      </p:cBhvr>
+                                      <p:to>
+                                        <p:strVal val="visible"/>
+                                      </p:to>
+                                    </p:set>
+                                  </p:childTnLst>
+                                </p:cTn>
+                              </p:par>
+                            </p:childTnLst>
+                          </p:cTn>
+                        </p:par>
+                      </p:childTnLst>
+                    </p:cTn>
+                  </p:par>
+                  <p:par>
+                    <p:cTn id="11" fill="hold">
+                      <p:stCondLst>
+                        <p:cond delay="indefinite"/>
+                      </p:stCondLst>
+                      <p:childTnLst>
+                        <p:par>
+                          <p:cTn id="12" fill="hold">
+                            <p:stCondLst>
+                              <p:cond delay="0"/>
+                            </p:stCondLst>
+                            <p:childTnLst>
+                              <p:par>
+                                <p:cTn id="13" presetID="1" presetClass="entr" presetSubtype="0" fill="hold" grpId="0" nodeType="clickEffect">
+                                  <p:stCondLst>
+                                    <p:cond delay="0"/>
+                                  </p:stCondLst>
+                                  <p:childTnLst>
+                                    <p:set>
+                                      <p:cBhvr>
+                                        <p:cTn id="14" dur="1" fill="hold">
                                           <p:stCondLst>
                                             <p:cond delay="0"/>
                                           </p:stCondLst>
@@ -8662,14 +8998,14 @@
                                 </p:cTn>
                               </p:par>
                               <p:par>
-                                <p:cTn id="7" presetID="1" presetClass="entr" presetSubtype="0" fill="hold" grpId="0" nodeType="withEffect">
+                                <p:cTn id="15" presetID="1" presetClass="entr" presetSubtype="0" fill="hold" grpId="0" nodeType="withEffect">
                                   <p:stCondLst>
                                     <p:cond delay="0"/>
                                   </p:stCondLst>
                                   <p:childTnLst>
                                     <p:set>
                                       <p:cBhvr>
-                                        <p:cTn id="8" dur="1" fill="hold">
+                                        <p:cTn id="16" dur="1" fill="hold">
                                           <p:stCondLst>
                                             <p:cond delay="0"/>
                                           </p:stCondLst>
@@ -8716,6 +9052,7 @@
       </p:par>
     </p:tnLst>
     <p:bldLst>
+      <p:bldP spid="15" grpId="0" animBg="1"/>
       <p:bldP spid="10" grpId="0" animBg="1"/>
       <p:bldP spid="4" grpId="0" animBg="1"/>
     </p:bldLst>
@@ -10046,7 +10383,7 @@
                             </p:stCondLst>
                             <p:childTnLst>
                               <p:par>
-                                <p:cTn id="5" presetID="1" presetClass="entr" presetSubtype="0" fill="hold" grpId="0" nodeType="clickEffect">
+                                <p:cTn id="5" presetID="1" presetClass="entr" presetSubtype="0" fill="hold" nodeType="clickEffect">
                                   <p:stCondLst>
                                     <p:cond delay="0"/>
                                   </p:stCondLst>
@@ -10054,6 +10391,100 @@
                                     <p:set>
                                       <p:cBhvr>
                                         <p:cTn id="6" dur="1" fill="hold">
+                                          <p:stCondLst>
+                                            <p:cond delay="0"/>
+                                          </p:stCondLst>
+                                        </p:cTn>
+                                        <p:tgtEl>
+                                          <p:spTgt spid="560131">
+                                            <p:txEl>
+                                              <p:pRg st="1" end="1"/>
+                                            </p:txEl>
+                                          </p:spTgt>
+                                        </p:tgtEl>
+                                        <p:attrNameLst>
+                                          <p:attrName>style.visibility</p:attrName>
+                                        </p:attrNameLst>
+                                      </p:cBhvr>
+                                      <p:to>
+                                        <p:strVal val="visible"/>
+                                      </p:to>
+                                    </p:set>
+                                  </p:childTnLst>
+                                </p:cTn>
+                              </p:par>
+                            </p:childTnLst>
+                          </p:cTn>
+                        </p:par>
+                      </p:childTnLst>
+                    </p:cTn>
+                  </p:par>
+                  <p:par>
+                    <p:cTn id="7" fill="hold">
+                      <p:stCondLst>
+                        <p:cond delay="indefinite"/>
+                      </p:stCondLst>
+                      <p:childTnLst>
+                        <p:par>
+                          <p:cTn id="8" fill="hold">
+                            <p:stCondLst>
+                              <p:cond delay="0"/>
+                            </p:stCondLst>
+                            <p:childTnLst>
+                              <p:par>
+                                <p:cTn id="9" presetID="1" presetClass="entr" presetSubtype="0" fill="hold" grpId="0" nodeType="clickEffect">
+                                  <p:stCondLst>
+                                    <p:cond delay="0"/>
+                                  </p:stCondLst>
+                                  <p:childTnLst>
+                                    <p:set>
+                                      <p:cBhvr>
+                                        <p:cTn id="10" dur="1" fill="hold">
+                                          <p:stCondLst>
+                                            <p:cond delay="0"/>
+                                          </p:stCondLst>
+                                        </p:cTn>
+                                        <p:tgtEl>
+                                          <p:spTgt spid="11"/>
+                                        </p:tgtEl>
+                                        <p:attrNameLst>
+                                          <p:attrName>style.visibility</p:attrName>
+                                        </p:attrNameLst>
+                                      </p:cBhvr>
+                                      <p:to>
+                                        <p:strVal val="visible"/>
+                                      </p:to>
+                                    </p:set>
+                                  </p:childTnLst>
+                                </p:cTn>
+                              </p:par>
+                            </p:childTnLst>
+                          </p:cTn>
+                        </p:par>
+                      </p:childTnLst>
+                    </p:cTn>
+                  </p:par>
+                  <p:par>
+                    <p:cTn id="11" fill="hold">
+                      <p:stCondLst>
+                        <p:cond delay="indefinite"/>
+                      </p:stCondLst>
+                      <p:childTnLst>
+                        <p:par>
+                          <p:cTn id="12" fill="hold">
+                            <p:stCondLst>
+                              <p:cond delay="0"/>
+                            </p:stCondLst>
+                            <p:childTnLst>
+                              <p:par>
+                                <p:cTn id="13" presetID="1" presetClass="entr" presetSubtype="0" fill="hold" grpId="0" nodeType="clickEffect">
+                                  <p:stCondLst>
+                                    <p:cond delay="0"/>
+                                  </p:stCondLst>
+                                  <p:childTnLst>
+                                    <p:set>
+                                      <p:cBhvr>
+                                        <p:cTn id="14" dur="1" fill="hold">
                                           <p:stCondLst>
                                             <p:cond delay="0"/>
                                           </p:stCondLst>
@@ -10073,14 +10504,14 @@
                                 </p:cTn>
                               </p:par>
                               <p:par>
-                                <p:cTn id="7" presetID="1" presetClass="entr" presetSubtype="0" fill="hold" grpId="0" nodeType="withEffect">
+                                <p:cTn id="15" presetID="1" presetClass="entr" presetSubtype="0" fill="hold" grpId="0" nodeType="withEffect">
                                   <p:stCondLst>
                                     <p:cond delay="0"/>
                                   </p:stCondLst>
                                   <p:childTnLst>
                                     <p:set>
                                       <p:cBhvr>
-                                        <p:cTn id="8" dur="1" fill="hold">
+                                        <p:cTn id="16" dur="1" fill="hold">
                                           <p:stCondLst>
                                             <p:cond delay="0"/>
                                           </p:stCondLst>
@@ -10127,6 +10558,7 @@
       </p:par>
     </p:tnLst>
     <p:bldLst>
+      <p:bldP spid="11" grpId="0" animBg="1"/>
       <p:bldP spid="10" grpId="0" animBg="1"/>
       <p:bldP spid="4" grpId="0" animBg="1"/>
     </p:bldLst>
@@ -10958,6 +11390,133 @@
   <p:clrMapOvr>
     <a:masterClrMapping/>
   </p:clrMapOvr>
+  <p:timing>
+    <p:tnLst>
+      <p:par>
+        <p:cTn id="1" dur="indefinite" restart="never" nodeType="tmRoot">
+          <p:childTnLst>
+            <p:seq concurrent="1" nextAc="seek">
+              <p:cTn id="2" dur="indefinite" nodeType="mainSeq">
+                <p:childTnLst>
+                  <p:par>
+                    <p:cTn id="3" fill="hold">
+                      <p:stCondLst>
+                        <p:cond delay="indefinite"/>
+                      </p:stCondLst>
+                      <p:childTnLst>
+                        <p:par>
+                          <p:cTn id="4" fill="hold">
+                            <p:stCondLst>
+                              <p:cond delay="0"/>
+                            </p:stCondLst>
+                            <p:childTnLst>
+                              <p:par>
+                                <p:cTn id="5" presetID="1" presetClass="entr" presetSubtype="0" fill="hold" nodeType="clickEffect">
+                                  <p:stCondLst>
+                                    <p:cond delay="0"/>
+                                  </p:stCondLst>
+                                  <p:childTnLst>
+                                    <p:set>
+                                      <p:cBhvr>
+                                        <p:cTn id="6" dur="1" fill="hold">
+                                          <p:stCondLst>
+                                            <p:cond delay="0"/>
+                                          </p:stCondLst>
+                                        </p:cTn>
+                                        <p:tgtEl>
+                                          <p:spTgt spid="7">
+                                            <p:txEl>
+                                              <p:pRg st="1" end="1"/>
+                                            </p:txEl>
+                                          </p:spTgt>
+                                        </p:tgtEl>
+                                        <p:attrNameLst>
+                                          <p:attrName>style.visibility</p:attrName>
+                                        </p:attrNameLst>
+                                      </p:cBhvr>
+                                      <p:to>
+                                        <p:strVal val="visible"/>
+                                      </p:to>
+                                    </p:set>
+                                  </p:childTnLst>
+                                </p:cTn>
+                              </p:par>
+                            </p:childTnLst>
+                          </p:cTn>
+                        </p:par>
+                      </p:childTnLst>
+                    </p:cTn>
+                  </p:par>
+                  <p:par>
+                    <p:cTn id="7" fill="hold">
+                      <p:stCondLst>
+                        <p:cond delay="indefinite"/>
+                      </p:stCondLst>
+                      <p:childTnLst>
+                        <p:par>
+                          <p:cTn id="8" fill="hold">
+                            <p:stCondLst>
+                              <p:cond delay="0"/>
+                            </p:stCondLst>
+                            <p:childTnLst>
+                              <p:par>
+                                <p:cTn id="9" presetID="1" presetClass="entr" presetSubtype="0" fill="hold" grpId="0" nodeType="clickEffect">
+                                  <p:stCondLst>
+                                    <p:cond delay="0"/>
+                                  </p:stCondLst>
+                                  <p:childTnLst>
+                                    <p:set>
+                                      <p:cBhvr>
+                                        <p:cTn id="10" dur="1" fill="hold">
+                                          <p:stCondLst>
+                                            <p:cond delay="0"/>
+                                          </p:stCondLst>
+                                        </p:cTn>
+                                        <p:tgtEl>
+                                          <p:spTgt spid="5"/>
+                                        </p:tgtEl>
+                                        <p:attrNameLst>
+                                          <p:attrName>style.visibility</p:attrName>
+                                        </p:attrNameLst>
+                                      </p:cBhvr>
+                                      <p:to>
+                                        <p:strVal val="visible"/>
+                                      </p:to>
+                                    </p:set>
+                                  </p:childTnLst>
+                                </p:cTn>
+                              </p:par>
+                            </p:childTnLst>
+                          </p:cTn>
+                        </p:par>
+                      </p:childTnLst>
+                    </p:cTn>
+                  </p:par>
+                </p:childTnLst>
+              </p:cTn>
+              <p:prevCondLst>
+                <p:cond evt="onPrev" delay="0">
+                  <p:tgtEl>
+                    <p:sldTgt/>
+                  </p:tgtEl>
+                </p:cond>
+              </p:prevCondLst>
+              <p:nextCondLst>
+                <p:cond evt="onNext" delay="0">
+                  <p:tgtEl>
+                    <p:sldTgt/>
+                  </p:tgtEl>
+                </p:cond>
+              </p:nextCondLst>
+            </p:seq>
+          </p:childTnLst>
+        </p:cTn>
+      </p:par>
+    </p:tnLst>
+    <p:bldLst>
+      <p:bldP spid="5" grpId="0" animBg="1"/>
+    </p:bldLst>
+  </p:timing>
 </p:sld>
 </file>
 
@@ -11568,6 +12127,480 @@
   <p:clrMapOvr>
     <a:masterClrMapping/>
   </p:clrMapOvr>
+  <p:timing>
+    <p:tnLst>
+      <p:par>
+        <p:cTn id="1" dur="indefinite" restart="never" nodeType="tmRoot">
+          <p:childTnLst>
+            <p:seq concurrent="1" nextAc="seek">
+              <p:cTn id="2" dur="indefinite" nodeType="mainSeq">
+                <p:childTnLst>
+                  <p:par>
+                    <p:cTn id="3" fill="hold">
+                      <p:stCondLst>
+                        <p:cond delay="indefinite"/>
+                      </p:stCondLst>
+                      <p:childTnLst>
+                        <p:par>
+                          <p:cTn id="4" fill="hold">
+                            <p:stCondLst>
+                              <p:cond delay="0"/>
+                            </p:stCondLst>
+                            <p:childTnLst>
+                              <p:par>
+                                <p:cTn id="5" presetID="1" presetClass="entr" presetSubtype="0" fill="hold" nodeType="clickEffect">
+                                  <p:stCondLst>
+                                    <p:cond delay="0"/>
+                                  </p:stCondLst>
+                                  <p:childTnLst>
+                                    <p:set>
+                                      <p:cBhvr>
+                                        <p:cTn id="6" dur="1" fill="hold">
+                                          <p:stCondLst>
+                                            <p:cond delay="0"/>
+                                          </p:stCondLst>
+                                        </p:cTn>
+                                        <p:tgtEl>
+                                          <p:spTgt spid="5">
+                                            <p:txEl>
+                                              <p:pRg st="2" end="2"/>
+                                            </p:txEl>
+                                          </p:spTgt>
+                                        </p:tgtEl>
+                                        <p:attrNameLst>
+                                          <p:attrName>style.visibility</p:attrName>
+                                        </p:attrNameLst>
+                                      </p:cBhvr>
+                                      <p:to>
+                                        <p:strVal val="visible"/>
+                                      </p:to>
+                                    </p:set>
+                                  </p:childTnLst>
+                                </p:cTn>
+                              </p:par>
+                              <p:par>
+                                <p:cTn id="7" presetID="1" presetClass="entr" presetSubtype="0" fill="hold" nodeType="withEffect">
+                                  <p:stCondLst>
+                                    <p:cond delay="0"/>
+                                  </p:stCondLst>
+                                  <p:childTnLst>
+                                    <p:set>
+                                      <p:cBhvr>
+                                        <p:cTn id="8" dur="1" fill="hold">
+                                          <p:stCondLst>
+                                            <p:cond delay="0"/>
+                                          </p:stCondLst>
+                                        </p:cTn>
+                                        <p:tgtEl>
+                                          <p:spTgt spid="5">
+                                            <p:txEl>
+                                              <p:pRg st="3" end="3"/>
+                                            </p:txEl>
+                                          </p:spTgt>
+                                        </p:tgtEl>
+                                        <p:attrNameLst>
+                                          <p:attrName>style.visibility</p:attrName>
+                                        </p:attrNameLst>
+                                      </p:cBhvr>
+                                      <p:to>
+                                        <p:strVal val="visible"/>
+                                      </p:to>
+                                    </p:set>
+                                  </p:childTnLst>
+                                </p:cTn>
+                              </p:par>
+                              <p:par>
+                                <p:cTn id="9" presetID="1" presetClass="entr" presetSubtype="0" fill="hold" nodeType="withEffect">
+                                  <p:stCondLst>
+                                    <p:cond delay="0"/>
+                                  </p:stCondLst>
+                                  <p:childTnLst>
+                                    <p:set>
+                                      <p:cBhvr>
+                                        <p:cTn id="10" dur="1" fill="hold">
+                                          <p:stCondLst>
+                                            <p:cond delay="0"/>
+                                          </p:stCondLst>
+                                        </p:cTn>
+                                        <p:tgtEl>
+                                          <p:spTgt spid="5">
+                                            <p:txEl>
+                                              <p:pRg st="13" end="13"/>
+                                            </p:txEl>
+                                          </p:spTgt>
+                                        </p:tgtEl>
+                                        <p:attrNameLst>
+                                          <p:attrName>style.visibility</p:attrName>
+                                        </p:attrNameLst>
+                                      </p:cBhvr>
+                                      <p:to>
+                                        <p:strVal val="visible"/>
+                                      </p:to>
+                                    </p:set>
+                                  </p:childTnLst>
+                                </p:cTn>
+                              </p:par>
+                            </p:childTnLst>
+                          </p:cTn>
+                        </p:par>
+                      </p:childTnLst>
+                    </p:cTn>
+                  </p:par>
+                  <p:par>
+                    <p:cTn id="11" fill="hold">
+                      <p:stCondLst>
+                        <p:cond delay="indefinite"/>
+                      </p:stCondLst>
+                      <p:childTnLst>
+                        <p:par>
+                          <p:cTn id="12" fill="hold">
+                            <p:stCondLst>
+                              <p:cond delay="0"/>
+                            </p:stCondLst>
+                            <p:childTnLst>
+                              <p:par>
+                                <p:cTn id="13" presetID="1" presetClass="entr" presetSubtype="0" fill="hold" nodeType="clickEffect">
+                                  <p:stCondLst>
+                                    <p:cond delay="0"/>
+                                  </p:stCondLst>
+                                  <p:childTnLst>
+                                    <p:set>
+                                      <p:cBhvr>
+                                        <p:cTn id="14" dur="1" fill="hold">
+                                          <p:stCondLst>
+                                            <p:cond delay="0"/>
+                                          </p:stCondLst>
+                                        </p:cTn>
+                                        <p:tgtEl>
+                                          <p:spTgt spid="5">
+                                            <p:txEl>
+                                              <p:pRg st="4" end="4"/>
+                                            </p:txEl>
+                                          </p:spTgt>
+                                        </p:tgtEl>
+                                        <p:attrNameLst>
+                                          <p:attrName>style.visibility</p:attrName>
+                                        </p:attrNameLst>
+                                      </p:cBhvr>
+                                      <p:to>
+                                        <p:strVal val="visible"/>
+                                      </p:to>
+                                    </p:set>
+                                  </p:childTnLst>
+                                </p:cTn>
+                              </p:par>
+                            </p:childTnLst>
+                          </p:cTn>
+                        </p:par>
+                      </p:childTnLst>
+                    </p:cTn>
+                  </p:par>
+                  <p:par>
+                    <p:cTn id="15" fill="hold">
+                      <p:stCondLst>
+                        <p:cond delay="indefinite"/>
+                      </p:stCondLst>
+                      <p:childTnLst>
+                        <p:par>
+                          <p:cTn id="16" fill="hold">
+                            <p:stCondLst>
+                              <p:cond delay="0"/>
+                            </p:stCondLst>
+                            <p:childTnLst>
+                              <p:par>
+                                <p:cTn id="17" presetID="1" presetClass="entr" presetSubtype="0" fill="hold" nodeType="clickEffect">
+                                  <p:stCondLst>
+                                    <p:cond delay="0"/>
+                                  </p:stCondLst>
+                                  <p:childTnLst>
+                                    <p:set>
+                                      <p:cBhvr>
+                                        <p:cTn id="18" dur="1" fill="hold">
+                                          <p:stCondLst>
+                                            <p:cond delay="0"/>
+                                          </p:stCondLst>
+                                        </p:cTn>
+                                        <p:tgtEl>
+                                          <p:spTgt spid="5">
+                                            <p:txEl>
+                                              <p:pRg st="5" end="5"/>
+                                            </p:txEl>
+                                          </p:spTgt>
+                                        </p:tgtEl>
+                                        <p:attrNameLst>
+                                          <p:attrName>style.visibility</p:attrName>
+                                        </p:attrNameLst>
+                                      </p:cBhvr>
+                                      <p:to>
+                                        <p:strVal val="visible"/>
+                                      </p:to>
+                                    </p:set>
+                                  </p:childTnLst>
+                                </p:cTn>
+                              </p:par>
+                              <p:par>
+                                <p:cTn id="19" presetID="1" presetClass="entr" presetSubtype="0" fill="hold" nodeType="withEffect">
+                                  <p:stCondLst>
+                                    <p:cond delay="0"/>
+                                  </p:stCondLst>
+                                  <p:childTnLst>
+                                    <p:set>
+                                      <p:cBhvr>
+                                        <p:cTn id="20" dur="1" fill="hold">
+                                          <p:stCondLst>
+                                            <p:cond delay="0"/>
+                                          </p:stCondLst>
+                                        </p:cTn>
+                                        <p:tgtEl>
+                                          <p:spTgt spid="5">
+                                            <p:txEl>
+                                              <p:pRg st="6" end="6"/>
+                                            </p:txEl>
+                                          </p:spTgt>
+                                        </p:tgtEl>
+                                        <p:attrNameLst>
+                                          <p:attrName>style.visibility</p:attrName>
+                                        </p:attrNameLst>
+                                      </p:cBhvr>
+                                      <p:to>
+                                        <p:strVal val="visible"/>
+                                      </p:to>
+                                    </p:set>
+                                  </p:childTnLst>
+                                </p:cTn>
+                              </p:par>
+                              <p:par>
+                                <p:cTn id="21" presetID="1" presetClass="entr" presetSubtype="0" fill="hold" nodeType="withEffect">
+                                  <p:stCondLst>
+                                    <p:cond delay="0"/>
+                                  </p:stCondLst>
+                                  <p:childTnLst>
+                                    <p:set>
+                                      <p:cBhvr>
+                                        <p:cTn id="22" dur="1" fill="hold">
+                                          <p:stCondLst>
+                                            <p:cond delay="0"/>
+                                          </p:stCondLst>
+                                        </p:cTn>
+                                        <p:tgtEl>
+                                          <p:spTgt spid="5">
+                                            <p:txEl>
+                                              <p:pRg st="7" end="7"/>
+                                            </p:txEl>
+                                          </p:spTgt>
+                                        </p:tgtEl>
+                                        <p:attrNameLst>
+                                          <p:attrName>style.visibility</p:attrName>
+                                        </p:attrNameLst>
+                                      </p:cBhvr>
+                                      <p:to>
+                                        <p:strVal val="visible"/>
+                                      </p:to>
+                                    </p:set>
+                                  </p:childTnLst>
+                                </p:cTn>
+                              </p:par>
+                              <p:par>
+                                <p:cTn id="23" presetID="1" presetClass="entr" presetSubtype="0" fill="hold" nodeType="withEffect">
+                                  <p:stCondLst>
+                                    <p:cond delay="0"/>
+                                  </p:stCondLst>
+                                  <p:childTnLst>
+                                    <p:set>
+                                      <p:cBhvr>
+                                        <p:cTn id="24" dur="1" fill="hold">
+                                          <p:stCondLst>
+                                            <p:cond delay="0"/>
+                                          </p:stCondLst>
+                                        </p:cTn>
+                                        <p:tgtEl>
+                                          <p:spTgt spid="5">
+                                            <p:txEl>
+                                              <p:pRg st="8" end="8"/>
+                                            </p:txEl>
+                                          </p:spTgt>
+                                        </p:tgtEl>
+                                        <p:attrNameLst>
+                                          <p:attrName>style.visibility</p:attrName>
+                                        </p:attrNameLst>
+                                      </p:cBhvr>
+                                      <p:to>
+                                        <p:strVal val="visible"/>
+                                      </p:to>
+                                    </p:set>
+                                  </p:childTnLst>
+                                </p:cTn>
+                              </p:par>
+                              <p:par>
+                                <p:cTn id="25" presetID="1" presetClass="entr" presetSubtype="0" fill="hold" nodeType="withEffect">
+                                  <p:stCondLst>
+                                    <p:cond delay="0"/>
+                                  </p:stCondLst>
+                                  <p:childTnLst>
+                                    <p:set>
+                                      <p:cBhvr>
+                                        <p:cTn id="26" dur="1" fill="hold">
+                                          <p:stCondLst>
+                                            <p:cond delay="0"/>
+                                          </p:stCondLst>
+                                        </p:cTn>
+                                        <p:tgtEl>
+                                          <p:spTgt spid="5">
+                                            <p:txEl>
+                                              <p:pRg st="9" end="9"/>
+                                            </p:txEl>
+                                          </p:spTgt>
+                                        </p:tgtEl>
+                                        <p:attrNameLst>
+                                          <p:attrName>style.visibility</p:attrName>
+                                        </p:attrNameLst>
+                                      </p:cBhvr>
+                                      <p:to>
+                                        <p:strVal val="visible"/>
+                                      </p:to>
+                                    </p:set>
+                                  </p:childTnLst>
+                                </p:cTn>
+                              </p:par>
+                            </p:childTnLst>
+                          </p:cTn>
+                        </p:par>
+                      </p:childTnLst>
+                    </p:cTn>
+                  </p:par>
+                  <p:par>
+                    <p:cTn id="27" fill="hold">
+                      <p:stCondLst>
+                        <p:cond delay="indefinite"/>
+                      </p:stCondLst>
+                      <p:childTnLst>
+                        <p:par>
+                          <p:cTn id="28" fill="hold">
+                            <p:stCondLst>
+                              <p:cond delay="0"/>
+                            </p:stCondLst>
+                            <p:childTnLst>
+                              <p:par>
+                                <p:cTn id="29" presetID="1" presetClass="entr" presetSubtype="0" fill="hold" nodeType="clickEffect">
+                                  <p:stCondLst>
+                                    <p:cond delay="0"/>
+                                  </p:stCondLst>
+                                  <p:childTnLst>
+                                    <p:set>
+                                      <p:cBhvr>
+                                        <p:cTn id="30" dur="1" fill="hold">
+                                          <p:stCondLst>
+                                            <p:cond delay="0"/>
+                                          </p:stCondLst>
+                                        </p:cTn>
+                                        <p:tgtEl>
+                                          <p:spTgt spid="5">
+                                            <p:txEl>
+                                              <p:pRg st="10" end="10"/>
+                                            </p:txEl>
+                                          </p:spTgt>
+                                        </p:tgtEl>
+                                        <p:attrNameLst>
+                                          <p:attrName>style.visibility</p:attrName>
+                                        </p:attrNameLst>
+                                      </p:cBhvr>
+                                      <p:to>
+                                        <p:strVal val="visible"/>
+                                      </p:to>
+                                    </p:set>
+                                  </p:childTnLst>
+                                </p:cTn>
+                              </p:par>
+                              <p:par>
+                                <p:cTn id="31" presetID="1" presetClass="entr" presetSubtype="0" fill="hold" nodeType="withEffect">
+                                  <p:stCondLst>
+                                    <p:cond delay="0"/>
+                                  </p:stCondLst>
+                                  <p:childTnLst>
+                                    <p:set>
+                                      <p:cBhvr>
+                                        <p:cTn id="32" dur="1" fill="hold">
+                                          <p:stCondLst>
+                                            <p:cond delay="0"/>
+                                          </p:stCondLst>
+                                        </p:cTn>
+                                        <p:tgtEl>
+                                          <p:spTgt spid="5">
+                                            <p:txEl>
+                                              <p:pRg st="11" end="11"/>
+                                            </p:txEl>
+                                          </p:spTgt>
+                                        </p:tgtEl>
+                                        <p:attrNameLst>
+                                          <p:attrName>style.visibility</p:attrName>
+                                        </p:attrNameLst>
+                                      </p:cBhvr>
+                                      <p:to>
+                                        <p:strVal val="visible"/>
+                                      </p:to>
+                                    </p:set>
+                                  </p:childTnLst>
+                                </p:cTn>
+                              </p:par>
+                              <p:par>
+                                <p:cTn id="33" presetID="1" presetClass="entr" presetSubtype="0" fill="hold" nodeType="withEffect">
+                                  <p:stCondLst>
+                                    <p:cond delay="0"/>
+                                  </p:stCondLst>
+                                  <p:childTnLst>
+                                    <p:set>
+                                      <p:cBhvr>
+                                        <p:cTn id="34" dur="1" fill="hold">
+                                          <p:stCondLst>
+                                            <p:cond delay="0"/>
+                                          </p:stCondLst>
+                                        </p:cTn>
+                                        <p:tgtEl>
+                                          <p:spTgt spid="5">
+                                            <p:txEl>
+                                              <p:pRg st="12" end="12"/>
+                                            </p:txEl>
+                                          </p:spTgt>
+                                        </p:tgtEl>
+                                        <p:attrNameLst>
+                                          <p:attrName>style.visibility</p:attrName>
+                                        </p:attrNameLst>
+                                      </p:cBhvr>
+                                      <p:to>
+                                        <p:strVal val="visible"/>
+                                      </p:to>
+                                    </p:set>
+                                  </p:childTnLst>
+                                </p:cTn>
+                              </p:par>
+                            </p:childTnLst>
+                          </p:cTn>
+                        </p:par>
+                      </p:childTnLst>
+                    </p:cTn>
+                  </p:par>
+                </p:childTnLst>
+              </p:cTn>
+              <p:prevCondLst>
+                <p:cond evt="onPrev" delay="0">
+                  <p:tgtEl>
+                    <p:sldTgt/>
+                  </p:tgtEl>
+                </p:cond>
+              </p:prevCondLst>
+              <p:nextCondLst>
+                <p:cond evt="onNext" delay="0">
+                  <p:tgtEl>
+                    <p:sldTgt/>
+                  </p:tgtEl>
+                </p:cond>
+              </p:nextCondLst>
+            </p:seq>
+          </p:childTnLst>
+        </p:cTn>
+      </p:par>
+    </p:tnLst>
+  </p:timing>
 </p:sld>
 </file>
 
@@ -12548,6 +13581,343 @@
   <p:clrMapOvr>
     <a:masterClrMapping/>
   </p:clrMapOvr>
+  <p:timing>
+    <p:tnLst>
+      <p:par>
+        <p:cTn id="1" dur="indefinite" restart="never" nodeType="tmRoot">
+          <p:childTnLst>
+            <p:seq concurrent="1" nextAc="seek">
+              <p:cTn id="2" dur="indefinite" nodeType="mainSeq">
+                <p:childTnLst>
+                  <p:par>
+                    <p:cTn id="3" fill="hold">
+                      <p:stCondLst>
+                        <p:cond delay="indefinite"/>
+                      </p:stCondLst>
+                      <p:childTnLst>
+                        <p:par>
+                          <p:cTn id="4" fill="hold">
+                            <p:stCondLst>
+                              <p:cond delay="0"/>
+                            </p:stCondLst>
+                            <p:childTnLst>
+                              <p:par>
+                                <p:cTn id="5" presetID="1" presetClass="entr" presetSubtype="0" fill="hold" nodeType="clickEffect">
+                                  <p:stCondLst>
+                                    <p:cond delay="0"/>
+                                  </p:stCondLst>
+                                  <p:childTnLst>
+                                    <p:set>
+                                      <p:cBhvr>
+                                        <p:cTn id="6" dur="1" fill="hold">
+                                          <p:stCondLst>
+                                            <p:cond delay="0"/>
+                                          </p:stCondLst>
+                                        </p:cTn>
+                                        <p:tgtEl>
+                                          <p:spTgt spid="5">
+                                            <p:txEl>
+                                              <p:pRg st="1" end="1"/>
+                                            </p:txEl>
+                                          </p:spTgt>
+                                        </p:tgtEl>
+                                        <p:attrNameLst>
+                                          <p:attrName>style.visibility</p:attrName>
+                                        </p:attrNameLst>
+                                      </p:cBhvr>
+                                      <p:to>
+                                        <p:strVal val="visible"/>
+                                      </p:to>
+                                    </p:set>
+                                  </p:childTnLst>
+                                </p:cTn>
+                              </p:par>
+                              <p:par>
+                                <p:cTn id="7" presetID="1" presetClass="entr" presetSubtype="0" fill="hold" nodeType="withEffect">
+                                  <p:stCondLst>
+                                    <p:cond delay="0"/>
+                                  </p:stCondLst>
+                                  <p:childTnLst>
+                                    <p:set>
+                                      <p:cBhvr>
+                                        <p:cTn id="8" dur="1" fill="hold">
+                                          <p:stCondLst>
+                                            <p:cond delay="0"/>
+                                          </p:stCondLst>
+                                        </p:cTn>
+                                        <p:tgtEl>
+                                          <p:spTgt spid="5">
+                                            <p:txEl>
+                                              <p:pRg st="2" end="2"/>
+                                            </p:txEl>
+                                          </p:spTgt>
+                                        </p:tgtEl>
+                                        <p:attrNameLst>
+                                          <p:attrName>style.visibility</p:attrName>
+                                        </p:attrNameLst>
+                                      </p:cBhvr>
+                                      <p:to>
+                                        <p:strVal val="visible"/>
+                                      </p:to>
+                                    </p:set>
+                                  </p:childTnLst>
+                                </p:cTn>
+                              </p:par>
+                            </p:childTnLst>
+                          </p:cTn>
+                        </p:par>
+                      </p:childTnLst>
+                    </p:cTn>
+                  </p:par>
+                  <p:par>
+                    <p:cTn id="9" fill="hold">
+                      <p:stCondLst>
+                        <p:cond delay="indefinite"/>
+                      </p:stCondLst>
+                      <p:childTnLst>
+                        <p:par>
+                          <p:cTn id="10" fill="hold">
+                            <p:stCondLst>
+                              <p:cond delay="0"/>
+                            </p:stCondLst>
+                            <p:childTnLst>
+                              <p:par>
+                                <p:cTn id="11" presetID="1" presetClass="entr" presetSubtype="0" fill="hold" nodeType="clickEffect">
+                                  <p:stCondLst>
+                                    <p:cond delay="0"/>
+                                  </p:stCondLst>
+                                  <p:childTnLst>
+                                    <p:set>
+                                      <p:cBhvr>
+                                        <p:cTn id="12" dur="1" fill="hold">
+                                          <p:stCondLst>
+                                            <p:cond delay="0"/>
+                                          </p:stCondLst>
+                                        </p:cTn>
+                                        <p:tgtEl>
+                                          <p:spTgt spid="5">
+                                            <p:txEl>
+                                              <p:pRg st="3" end="3"/>
+                                            </p:txEl>
+                                          </p:spTgt>
+                                        </p:tgtEl>
+                                        <p:attrNameLst>
+                                          <p:attrName>style.visibility</p:attrName>
+                                        </p:attrNameLst>
+                                      </p:cBhvr>
+                                      <p:to>
+                                        <p:strVal val="visible"/>
+                                      </p:to>
+                                    </p:set>
+                                  </p:childTnLst>
+                                </p:cTn>
+                              </p:par>
+                            </p:childTnLst>
+                          </p:cTn>
+                        </p:par>
+                      </p:childTnLst>
+                    </p:cTn>
+                  </p:par>
+                  <p:par>
+                    <p:cTn id="13" fill="hold">
+                      <p:stCondLst>
+                        <p:cond delay="indefinite"/>
+                      </p:stCondLst>
+                      <p:childTnLst>
+                        <p:par>
+                          <p:cTn id="14" fill="hold">
+                            <p:stCondLst>
+                              <p:cond delay="0"/>
+                            </p:stCondLst>
+                            <p:childTnLst>
+                              <p:par>
+                                <p:cTn id="15" presetID="1" presetClass="entr" presetSubtype="0" fill="hold" nodeType="clickEffect">
+                                  <p:stCondLst>
+                                    <p:cond delay="0"/>
+                                  </p:stCondLst>
+                                  <p:childTnLst>
+                                    <p:set>
+                                      <p:cBhvr>
+                                        <p:cTn id="16" dur="1" fill="hold">
+                                          <p:stCondLst>
+                                            <p:cond delay="0"/>
+                                          </p:stCondLst>
+                                        </p:cTn>
+                                        <p:tgtEl>
+                                          <p:spTgt spid="5">
+                                            <p:txEl>
+                                              <p:pRg st="4" end="4"/>
+                                            </p:txEl>
+                                          </p:spTgt>
+                                        </p:tgtEl>
+                                        <p:attrNameLst>
+                                          <p:attrName>style.visibility</p:attrName>
+                                        </p:attrNameLst>
+                                      </p:cBhvr>
+                                      <p:to>
+                                        <p:strVal val="visible"/>
+                                      </p:to>
+                                    </p:set>
+                                  </p:childTnLst>
+                                </p:cTn>
+                              </p:par>
+                              <p:par>
+                                <p:cTn id="17" presetID="1" presetClass="entr" presetSubtype="0" fill="hold" nodeType="withEffect">
+                                  <p:stCondLst>
+                                    <p:cond delay="0"/>
+                                  </p:stCondLst>
+                                  <p:childTnLst>
+                                    <p:set>
+                                      <p:cBhvr>
+                                        <p:cTn id="18" dur="1" fill="hold">
+                                          <p:stCondLst>
+                                            <p:cond delay="0"/>
+                                          </p:stCondLst>
+                                        </p:cTn>
+                                        <p:tgtEl>
+                                          <p:spTgt spid="5">
+                                            <p:txEl>
+                                              <p:pRg st="5" end="5"/>
+                                            </p:txEl>
+                                          </p:spTgt>
+                                        </p:tgtEl>
+                                        <p:attrNameLst>
+                                          <p:attrName>style.visibility</p:attrName>
+                                        </p:attrNameLst>
+                                      </p:cBhvr>
+                                      <p:to>
+                                        <p:strVal val="visible"/>
+                                      </p:to>
+                                    </p:set>
+                                  </p:childTnLst>
+                                </p:cTn>
+                              </p:par>
+                            </p:childTnLst>
+                          </p:cTn>
+                        </p:par>
+                      </p:childTnLst>
+                    </p:cTn>
+                  </p:par>
+                  <p:par>
+                    <p:cTn id="19" fill="hold">
+                      <p:stCondLst>
+                        <p:cond delay="indefinite"/>
+                      </p:stCondLst>
+                      <p:childTnLst>
+                        <p:par>
+                          <p:cTn id="20" fill="hold">
+                            <p:stCondLst>
+                              <p:cond delay="0"/>
+                            </p:stCondLst>
+                            <p:childTnLst>
+                              <p:par>
+                                <p:cTn id="21" presetID="1" presetClass="entr" presetSubtype="0" fill="hold" nodeType="clickEffect">
+                                  <p:stCondLst>
+                                    <p:cond delay="0"/>
+                                  </p:stCondLst>
+                                  <p:childTnLst>
+                                    <p:set>
+                                      <p:cBhvr>
+                                        <p:cTn id="22" dur="1" fill="hold">
+                                          <p:stCondLst>
+                                            <p:cond delay="0"/>
+                                          </p:stCondLst>
+                                        </p:cTn>
+                                        <p:tgtEl>
+                                          <p:spTgt spid="5">
+                                            <p:txEl>
+                                              <p:pRg st="6" end="6"/>
+                                            </p:txEl>
+                                          </p:spTgt>
+                                        </p:tgtEl>
+                                        <p:attrNameLst>
+                                          <p:attrName>style.visibility</p:attrName>
+                                        </p:attrNameLst>
+                                      </p:cBhvr>
+                                      <p:to>
+                                        <p:strVal val="visible"/>
+                                      </p:to>
+                                    </p:set>
+                                  </p:childTnLst>
+                                </p:cTn>
+                              </p:par>
+                            </p:childTnLst>
+                          </p:cTn>
+                        </p:par>
+                      </p:childTnLst>
+                    </p:cTn>
+                  </p:par>
+                  <p:par>
+                    <p:cTn id="23" fill="hold">
+                      <p:stCondLst>
+                        <p:cond delay="indefinite"/>
+                      </p:stCondLst>
+                      <p:childTnLst>
+                        <p:par>
+                          <p:cTn id="24" fill="hold">
+                            <p:stCondLst>
+                              <p:cond delay="0"/>
+                            </p:stCondLst>
+                            <p:childTnLst>
+                              <p:par>
+                                <p:cTn id="25" presetID="1" presetClass="entr" presetSubtype="0" fill="hold" nodeType="clickEffect">
+                                  <p:stCondLst>
+                                    <p:cond delay="0"/>
+                                  </p:stCondLst>
+                                  <p:childTnLst>
+                                    <p:set>
+                                      <p:cBhvr>
+                                        <p:cTn id="26" dur="1" fill="hold">
+                                          <p:stCondLst>
+                                            <p:cond delay="0"/>
+                                          </p:stCondLst>
+                                        </p:cTn>
+                                        <p:tgtEl>
+                                          <p:spTgt spid="5">
+                                            <p:txEl>
+                                              <p:pRg st="7" end="7"/>
+                                            </p:txEl>
+                                          </p:spTgt>
+                                        </p:tgtEl>
+                                        <p:attrNameLst>
+                                          <p:attrName>style.visibility</p:attrName>
+                                        </p:attrNameLst>
+                                      </p:cBhvr>
+                                      <p:to>
+                                        <p:strVal val="visible"/>
+                                      </p:to>
+                                    </p:set>
+                                  </p:childTnLst>
+                                </p:cTn>
+                              </p:par>
+                            </p:childTnLst>
+                          </p:cTn>
+                        </p:par>
+                      </p:childTnLst>
+                    </p:cTn>
+                  </p:par>
+                </p:childTnLst>
+              </p:cTn>
+              <p:prevCondLst>
+                <p:cond evt="onPrev" delay="0">
+                  <p:tgtEl>
+                    <p:sldTgt/>
+                  </p:tgtEl>
+                </p:cond>
+              </p:prevCondLst>
+              <p:nextCondLst>
+                <p:cond evt="onNext" delay="0">
+                  <p:tgtEl>
+                    <p:sldTgt/>
+                  </p:tgtEl>
+                </p:cond>
+              </p:nextCondLst>
+            </p:seq>
+          </p:childTnLst>
+        </p:cTn>
+      </p:par>
+    </p:tnLst>
+  </p:timing>
 </p:sld>
 </file>
 
@@ -14333,15 +15703,33 @@
                                   </p:childTnLst>
                                 </p:cTn>
                               </p:par>
+                            </p:childTnLst>
+                          </p:cTn>
+                        </p:par>
+                      </p:childTnLst>
+                    </p:cTn>
+                  </p:par>
+                  <p:par>
+                    <p:cTn id="7" fill="hold">
+                      <p:stCondLst>
+                        <p:cond delay="indefinite"/>
+                      </p:stCondLst>
+                      <p:childTnLst>
+                        <p:par>
+                          <p:cTn id="8" fill="hold">
+                            <p:stCondLst>
+                              <p:cond delay="0"/>
+                            </p:stCondLst>
+                            <p:childTnLst>
                               <p:par>
-                                <p:cTn id="7" presetID="1" presetClass="entr" presetSubtype="0" fill="hold" grpId="0" nodeType="withEffect">
+                                <p:cTn id="9" presetID="1" presetClass="entr" presetSubtype="0" fill="hold" grpId="0" nodeType="clickEffect">
                                   <p:stCondLst>
                                     <p:cond delay="0"/>
                                   </p:stCondLst>
                                   <p:childTnLst>
                                     <p:set>
                                       <p:cBhvr>
-                                        <p:cTn id="8" dur="1" fill="hold">
+                                        <p:cTn id="10" dur="1" fill="hold">
                                           <p:stCondLst>
                                             <p:cond delay="0"/>
                                           </p:stCondLst>
@@ -14364,15 +15752,33 @@
                                   </p:childTnLst>
                                 </p:cTn>
                               </p:par>
+                            </p:childTnLst>
+                          </p:cTn>
+                        </p:par>
+                      </p:childTnLst>
+                    </p:cTn>
+                  </p:par>
+                  <p:par>
+                    <p:cTn id="11" fill="hold">
+                      <p:stCondLst>
+                        <p:cond delay="indefinite"/>
+                      </p:stCondLst>
+                      <p:childTnLst>
+                        <p:par>
+                          <p:cTn id="12" fill="hold">
+                            <p:stCondLst>
+                              <p:cond delay="0"/>
+                            </p:stCondLst>
+                            <p:childTnLst>
                               <p:par>
-                                <p:cTn id="9" presetID="1" presetClass="entr" presetSubtype="0" fill="hold" grpId="0" nodeType="withEffect">
+                                <p:cTn id="13" presetID="1" presetClass="entr" presetSubtype="0" fill="hold" grpId="0" nodeType="clickEffect">
                                   <p:stCondLst>
                                     <p:cond delay="0"/>
                                   </p:stCondLst>
                                   <p:childTnLst>
                                     <p:set>
                                       <p:cBhvr>
-                                        <p:cTn id="10" dur="1" fill="hold">
+                                        <p:cTn id="14" dur="1" fill="hold">
                                           <p:stCondLst>
                                             <p:cond delay="0"/>
                                           </p:stCondLst>
@@ -14395,15 +15801,33 @@
                                   </p:childTnLst>
                                 </p:cTn>
                               </p:par>
+                            </p:childTnLst>
+                          </p:cTn>
+                        </p:par>
+                      </p:childTnLst>
+                    </p:cTn>
+                  </p:par>
+                  <p:par>
+                    <p:cTn id="15" fill="hold">
+                      <p:stCondLst>
+                        <p:cond delay="indefinite"/>
+                      </p:stCondLst>
+                      <p:childTnLst>
+                        <p:par>
+                          <p:cTn id="16" fill="hold">
+                            <p:stCondLst>
+                              <p:cond delay="0"/>
+                            </p:stCondLst>
+                            <p:childTnLst>
                               <p:par>
-                                <p:cTn id="11" presetID="1" presetClass="entr" presetSubtype="0" fill="hold" grpId="0" nodeType="withEffect">
+                                <p:cTn id="17" presetID="1" presetClass="entr" presetSubtype="0" fill="hold" grpId="0" nodeType="clickEffect">
                                   <p:stCondLst>
                                     <p:cond delay="0"/>
                                   </p:stCondLst>
                                   <p:childTnLst>
                                     <p:set>
                                       <p:cBhvr>
-                                        <p:cTn id="12" dur="1" fill="hold">
+                                        <p:cTn id="18" dur="1" fill="hold">
                                           <p:stCondLst>
                                             <p:cond delay="0"/>
                                           </p:stCondLst>
@@ -14433,26 +15857,26 @@
                     </p:cTn>
                   </p:par>
                   <p:par>
-                    <p:cTn id="13" fill="hold">
+                    <p:cTn id="19" fill="hold">
                       <p:stCondLst>
                         <p:cond delay="indefinite"/>
                       </p:stCondLst>
                       <p:childTnLst>
                         <p:par>
-                          <p:cTn id="14" fill="hold">
+                          <p:cTn id="20" fill="hold">
                             <p:stCondLst>
                               <p:cond delay="0"/>
                             </p:stCondLst>
                             <p:childTnLst>
                               <p:par>
-                                <p:cTn id="15" presetID="1" presetClass="entr" presetSubtype="0" fill="hold" grpId="0" nodeType="clickEffect">
+                                <p:cTn id="21" presetID="1" presetClass="entr" presetSubtype="0" fill="hold" grpId="0" nodeType="clickEffect">
                                   <p:stCondLst>
                                     <p:cond delay="0"/>
                                   </p:stCondLst>
                                   <p:childTnLst>
                                     <p:set>
                                       <p:cBhvr>
-                                        <p:cTn id="16" dur="1" fill="hold">
+                                        <p:cTn id="22" dur="1" fill="hold">
                                           <p:stCondLst>
                                             <p:cond delay="0"/>
                                           </p:stCondLst>
@@ -14475,6 +15899,33 @@
                                   </p:childTnLst>
                                 </p:cTn>
                               </p:par>
+                              <p:par>
+                                <p:cTn id="23" presetID="1" presetClass="entr" presetSubtype="0" fill="hold" grpId="0" nodeType="withEffect">
+                                  <p:stCondLst>
+                                    <p:cond delay="0"/>
+                                  </p:stCondLst>
+                                  <p:childTnLst>
+                                    <p:set>
+                                      <p:cBhvr>
+                                        <p:cTn id="24" dur="1" fill="hold">
+                                          <p:stCondLst>
+                                            <p:cond delay="0"/>
+                                          </p:stCondLst>
+                                        </p:cTn>
+                                        <p:tgtEl>
+                                          <p:spTgt spid="519172"/>
+                                        </p:tgtEl>
+                                        <p:attrNameLst>
+                                          <p:attrName>style.visibility</p:attrName>
+                                        </p:attrNameLst>
+                                      </p:cBhvr>
+                                      <p:to>
+                                        <p:strVal val="visible"/>
+                                      </p:to>
+                                    </p:set>
+                                  </p:childTnLst>
+                                </p:cTn>
+                              </p:par>
                             </p:childTnLst>
                           </p:cTn>
                         </p:par>
@@ -14482,26 +15933,26 @@
                     </p:cTn>
                   </p:par>
                   <p:par>
-                    <p:cTn id="17" fill="hold">
+                    <p:cTn id="25" fill="hold">
                       <p:stCondLst>
                         <p:cond delay="indefinite"/>
                       </p:stCondLst>
                       <p:childTnLst>
                         <p:par>
-                          <p:cTn id="18" fill="hold">
+                          <p:cTn id="26" fill="hold">
                             <p:stCondLst>
                               <p:cond delay="0"/>
                             </p:stCondLst>
                             <p:childTnLst>
                               <p:par>
-                                <p:cTn id="19" presetID="1" presetClass="entr" presetSubtype="0" fill="hold" grpId="0" nodeType="clickEffect">
+                                <p:cTn id="27" presetID="1" presetClass="entr" presetSubtype="0" fill="hold" grpId="0" nodeType="clickEffect">
                                   <p:stCondLst>
                                     <p:cond delay="0"/>
                                   </p:stCondLst>
                                   <p:childTnLst>
                                     <p:set>
                                       <p:cBhvr>
-                                        <p:cTn id="20" dur="1" fill="hold">
+                                        <p:cTn id="28" dur="1" fill="hold">
                                           <p:stCondLst>
                                             <p:cond delay="0"/>
                                           </p:stCondLst>
@@ -14524,33 +15975,15 @@
                                   </p:childTnLst>
                                 </p:cTn>
                               </p:par>
-                            </p:childTnLst>
-                          </p:cTn>
-                        </p:par>
-                      </p:childTnLst>
-                    </p:cTn>
-                  </p:par>
-                  <p:par>
-                    <p:cTn id="21" fill="hold">
-                      <p:stCondLst>
-                        <p:cond delay="indefinite"/>
-                      </p:stCondLst>
-                      <p:childTnLst>
-                        <p:par>
-                          <p:cTn id="22" fill="hold">
-                            <p:stCondLst>
-                              <p:cond delay="0"/>
-                            </p:stCondLst>
-                            <p:childTnLst>
                               <p:par>
-                                <p:cTn id="23" presetID="1" presetClass="entr" presetSubtype="0" fill="hold" nodeType="clickEffect">
+                                <p:cTn id="29" presetID="1" presetClass="entr" presetSubtype="0" fill="hold" nodeType="withEffect">
                                   <p:stCondLst>
                                     <p:cond delay="0"/>
                                   </p:stCondLst>
                                   <p:childTnLst>
                                     <p:set>
                                       <p:cBhvr>
-                                        <p:cTn id="24" dur="1" fill="hold">
+                                        <p:cTn id="30" dur="1" fill="hold">
                                           <p:stCondLst>
                                             <p:cond delay="0"/>
                                           </p:stCondLst>
@@ -14601,7 +16034,8 @@
       </p:par>
     </p:tnLst>
     <p:bldLst>
-      <p:bldP spid="519171" grpId="0" build="p"/>
+      <p:bldP spid="519171" grpId="0" uiExpand="1" build="p"/>
+      <p:bldP spid="519172" grpId="0" animBg="1"/>
     </p:bldLst>
   </p:timing>
 </p:sld>
@@ -17342,6 +18776,321 @@
   <p:clrMapOvr>
     <a:masterClrMapping/>
   </p:clrMapOvr>
+  <p:timing>
+    <p:tnLst>
+      <p:par>
+        <p:cTn id="1" dur="indefinite" restart="never" nodeType="tmRoot">
+          <p:childTnLst>
+            <p:seq concurrent="1" nextAc="seek">
+              <p:cTn id="2" dur="indefinite" nodeType="mainSeq">
+                <p:childTnLst>
+                  <p:par>
+                    <p:cTn id="3" fill="hold">
+                      <p:stCondLst>
+                        <p:cond delay="indefinite"/>
+                      </p:stCondLst>
+                      <p:childTnLst>
+                        <p:par>
+                          <p:cTn id="4" fill="hold">
+                            <p:stCondLst>
+                              <p:cond delay="0"/>
+                            </p:stCondLst>
+                            <p:childTnLst>
+                              <p:par>
+                                <p:cTn id="5" presetID="1" presetClass="entr" presetSubtype="0" fill="hold" grpId="0" nodeType="clickEffect">
+                                  <p:stCondLst>
+                                    <p:cond delay="0"/>
+                                  </p:stCondLst>
+                                  <p:childTnLst>
+                                    <p:set>
+                                      <p:cBhvr>
+                                        <p:cTn id="6" dur="1" fill="hold">
+                                          <p:stCondLst>
+                                            <p:cond delay="0"/>
+                                          </p:stCondLst>
+                                        </p:cTn>
+                                        <p:tgtEl>
+                                          <p:spTgt spid="5"/>
+                                        </p:tgtEl>
+                                        <p:attrNameLst>
+                                          <p:attrName>style.visibility</p:attrName>
+                                        </p:attrNameLst>
+                                      </p:cBhvr>
+                                      <p:to>
+                                        <p:strVal val="visible"/>
+                                      </p:to>
+                                    </p:set>
+                                  </p:childTnLst>
+                                </p:cTn>
+                              </p:par>
+                              <p:par>
+                                <p:cTn id="7" presetID="1" presetClass="entr" presetSubtype="0" fill="hold" nodeType="withEffect">
+                                  <p:stCondLst>
+                                    <p:cond delay="0"/>
+                                  </p:stCondLst>
+                                  <p:childTnLst>
+                                    <p:set>
+                                      <p:cBhvr>
+                                        <p:cTn id="8" dur="1" fill="hold">
+                                          <p:stCondLst>
+                                            <p:cond delay="0"/>
+                                          </p:stCondLst>
+                                        </p:cTn>
+                                        <p:tgtEl>
+                                          <p:spTgt spid="5">
+                                            <p:txEl>
+                                              <p:pRg st="0" end="0"/>
+                                            </p:txEl>
+                                          </p:spTgt>
+                                        </p:tgtEl>
+                                        <p:attrNameLst>
+                                          <p:attrName>style.visibility</p:attrName>
+                                        </p:attrNameLst>
+                                      </p:cBhvr>
+                                      <p:to>
+                                        <p:strVal val="visible"/>
+                                      </p:to>
+                                    </p:set>
+                                  </p:childTnLst>
+                                </p:cTn>
+                              </p:par>
+                              <p:par>
+                                <p:cTn id="9" presetID="1" presetClass="entr" presetSubtype="0" fill="hold" nodeType="withEffect">
+                                  <p:stCondLst>
+                                    <p:cond delay="0"/>
+                                  </p:stCondLst>
+                                  <p:childTnLst>
+                                    <p:set>
+                                      <p:cBhvr>
+                                        <p:cTn id="10" dur="1" fill="hold">
+                                          <p:stCondLst>
+                                            <p:cond delay="0"/>
+                                          </p:stCondLst>
+                                        </p:cTn>
+                                        <p:tgtEl>
+                                          <p:spTgt spid="5">
+                                            <p:txEl>
+                                              <p:pRg st="1" end="1"/>
+                                            </p:txEl>
+                                          </p:spTgt>
+                                        </p:tgtEl>
+                                        <p:attrNameLst>
+                                          <p:attrName>style.visibility</p:attrName>
+                                        </p:attrNameLst>
+                                      </p:cBhvr>
+                                      <p:to>
+                                        <p:strVal val="visible"/>
+                                      </p:to>
+                                    </p:set>
+                                  </p:childTnLst>
+                                </p:cTn>
+                              </p:par>
+                              <p:par>
+                                <p:cTn id="11" presetID="1" presetClass="entr" presetSubtype="0" fill="hold" nodeType="withEffect">
+                                  <p:stCondLst>
+                                    <p:cond delay="0"/>
+                                  </p:stCondLst>
+                                  <p:childTnLst>
+                                    <p:set>
+                                      <p:cBhvr>
+                                        <p:cTn id="12" dur="1" fill="hold">
+                                          <p:stCondLst>
+                                            <p:cond delay="0"/>
+                                          </p:stCondLst>
+                                        </p:cTn>
+                                        <p:tgtEl>
+                                          <p:spTgt spid="5">
+                                            <p:txEl>
+                                              <p:pRg st="2" end="2"/>
+                                            </p:txEl>
+                                          </p:spTgt>
+                                        </p:tgtEl>
+                                        <p:attrNameLst>
+                                          <p:attrName>style.visibility</p:attrName>
+                                        </p:attrNameLst>
+                                      </p:cBhvr>
+                                      <p:to>
+                                        <p:strVal val="visible"/>
+                                      </p:to>
+                                    </p:set>
+                                  </p:childTnLst>
+                                </p:cTn>
+                              </p:par>
+                            </p:childTnLst>
+                          </p:cTn>
+                        </p:par>
+                      </p:childTnLst>
+                    </p:cTn>
+                  </p:par>
+                  <p:par>
+                    <p:cTn id="13" fill="hold">
+                      <p:stCondLst>
+                        <p:cond delay="indefinite"/>
+                      </p:stCondLst>
+                      <p:childTnLst>
+                        <p:par>
+                          <p:cTn id="14" fill="hold">
+                            <p:stCondLst>
+                              <p:cond delay="0"/>
+                            </p:stCondLst>
+                            <p:childTnLst>
+                              <p:par>
+                                <p:cTn id="15" presetID="1" presetClass="entr" presetSubtype="0" fill="hold" nodeType="clickEffect">
+                                  <p:stCondLst>
+                                    <p:cond delay="0"/>
+                                  </p:stCondLst>
+                                  <p:childTnLst>
+                                    <p:set>
+                                      <p:cBhvr>
+                                        <p:cTn id="16" dur="1" fill="hold">
+                                          <p:stCondLst>
+                                            <p:cond delay="0"/>
+                                          </p:stCondLst>
+                                        </p:cTn>
+                                        <p:tgtEl>
+                                          <p:spTgt spid="5">
+                                            <p:txEl>
+                                              <p:pRg st="3" end="3"/>
+                                            </p:txEl>
+                                          </p:spTgt>
+                                        </p:tgtEl>
+                                        <p:attrNameLst>
+                                          <p:attrName>style.visibility</p:attrName>
+                                        </p:attrNameLst>
+                                      </p:cBhvr>
+                                      <p:to>
+                                        <p:strVal val="visible"/>
+                                      </p:to>
+                                    </p:set>
+                                  </p:childTnLst>
+                                </p:cTn>
+                              </p:par>
+                            </p:childTnLst>
+                          </p:cTn>
+                        </p:par>
+                      </p:childTnLst>
+                    </p:cTn>
+                  </p:par>
+                  <p:par>
+                    <p:cTn id="17" fill="hold">
+                      <p:stCondLst>
+                        <p:cond delay="indefinite"/>
+                      </p:stCondLst>
+                      <p:childTnLst>
+                        <p:par>
+                          <p:cTn id="18" fill="hold">
+                            <p:stCondLst>
+                              <p:cond delay="0"/>
+                            </p:stCondLst>
+                            <p:childTnLst>
+                              <p:par>
+                                <p:cTn id="19" presetID="1" presetClass="entr" presetSubtype="0" fill="hold" nodeType="clickEffect">
+                                  <p:stCondLst>
+                                    <p:cond delay="0"/>
+                                  </p:stCondLst>
+                                  <p:childTnLst>
+                                    <p:set>
+                                      <p:cBhvr>
+                                        <p:cTn id="20" dur="1" fill="hold">
+                                          <p:stCondLst>
+                                            <p:cond delay="0"/>
+                                          </p:stCondLst>
+                                        </p:cTn>
+                                        <p:tgtEl>
+                                          <p:spTgt spid="5">
+                                            <p:txEl>
+                                              <p:pRg st="4" end="4"/>
+                                            </p:txEl>
+                                          </p:spTgt>
+                                        </p:tgtEl>
+                                        <p:attrNameLst>
+                                          <p:attrName>style.visibility</p:attrName>
+                                        </p:attrNameLst>
+                                      </p:cBhvr>
+                                      <p:to>
+                                        <p:strVal val="visible"/>
+                                      </p:to>
+                                    </p:set>
+                                  </p:childTnLst>
+                                </p:cTn>
+                              </p:par>
+                            </p:childTnLst>
+                          </p:cTn>
+                        </p:par>
+                      </p:childTnLst>
+                    </p:cTn>
+                  </p:par>
+                  <p:par>
+                    <p:cTn id="21" fill="hold">
+                      <p:stCondLst>
+                        <p:cond delay="indefinite"/>
+                      </p:stCondLst>
+                      <p:childTnLst>
+                        <p:par>
+                          <p:cTn id="22" fill="hold">
+                            <p:stCondLst>
+                              <p:cond delay="0"/>
+                            </p:stCondLst>
+                            <p:childTnLst>
+                              <p:par>
+                                <p:cTn id="23" presetID="1" presetClass="entr" presetSubtype="0" fill="hold" grpId="0" nodeType="clickEffect">
+                                  <p:stCondLst>
+                                    <p:cond delay="0"/>
+                                  </p:stCondLst>
+                                  <p:childTnLst>
+                                    <p:set>
+                                      <p:cBhvr>
+                                        <p:cTn id="24" dur="1" fill="hold">
+                                          <p:stCondLst>
+                                            <p:cond delay="0"/>
+                                          </p:stCondLst>
+                                        </p:cTn>
+                                        <p:tgtEl>
+                                          <p:spTgt spid="7"/>
+                                        </p:tgtEl>
+                                        <p:attrNameLst>
+                                          <p:attrName>style.visibility</p:attrName>
+                                        </p:attrNameLst>
+                                      </p:cBhvr>
+                                      <p:to>
+                                        <p:strVal val="visible"/>
+                                      </p:to>
+                                    </p:set>
+                                  </p:childTnLst>
+                                </p:cTn>
+                              </p:par>
+                            </p:childTnLst>
+                          </p:cTn>
+                        </p:par>
+                      </p:childTnLst>
+                    </p:cTn>
+                  </p:par>
+                </p:childTnLst>
+              </p:cTn>
+              <p:prevCondLst>
+                <p:cond evt="onPrev" delay="0">
+                  <p:tgtEl>
+                    <p:sldTgt/>
+                  </p:tgtEl>
+                </p:cond>
+              </p:prevCondLst>
+              <p:nextCondLst>
+                <p:cond evt="onNext" delay="0">
+                  <p:tgtEl>
+                    <p:sldTgt/>
+                  </p:tgtEl>
+                </p:cond>
+              </p:nextCondLst>
+            </p:seq>
+          </p:childTnLst>
+        </p:cTn>
+      </p:par>
+    </p:tnLst>
+    <p:bldLst>
+      <p:bldP spid="5" grpId="0" animBg="1"/>
+      <p:bldP spid="7" grpId="0"/>
+    </p:bldLst>
+  </p:timing>
 </p:sld>
 </file>
 
@@ -18354,6 +20103,228 @@
   <p:clrMapOvr>
     <a:masterClrMapping/>
   </p:clrMapOvr>
+  <p:timing>
+    <p:tnLst>
+      <p:par>
+        <p:cTn id="1" dur="indefinite" restart="never" nodeType="tmRoot">
+          <p:childTnLst>
+            <p:seq concurrent="1" nextAc="seek">
+              <p:cTn id="2" dur="indefinite" nodeType="mainSeq">
+                <p:childTnLst>
+                  <p:par>
+                    <p:cTn id="3" fill="hold">
+                      <p:stCondLst>
+                        <p:cond delay="indefinite"/>
+                      </p:stCondLst>
+                      <p:childTnLst>
+                        <p:par>
+                          <p:cTn id="4" fill="hold">
+                            <p:stCondLst>
+                              <p:cond delay="0"/>
+                            </p:stCondLst>
+                            <p:childTnLst>
+                              <p:par>
+                                <p:cTn id="5" presetID="1" presetClass="entr" presetSubtype="0" fill="hold" nodeType="clickEffect">
+                                  <p:stCondLst>
+                                    <p:cond delay="0"/>
+                                  </p:stCondLst>
+                                  <p:childTnLst>
+                                    <p:set>
+                                      <p:cBhvr>
+                                        <p:cTn id="6" dur="1" fill="hold">
+                                          <p:stCondLst>
+                                            <p:cond delay="0"/>
+                                          </p:stCondLst>
+                                        </p:cTn>
+                                        <p:tgtEl>
+                                          <p:spTgt spid="3">
+                                            <p:txEl>
+                                              <p:pRg st="1" end="1"/>
+                                            </p:txEl>
+                                          </p:spTgt>
+                                        </p:tgtEl>
+                                        <p:attrNameLst>
+                                          <p:attrName>style.visibility</p:attrName>
+                                        </p:attrNameLst>
+                                      </p:cBhvr>
+                                      <p:to>
+                                        <p:strVal val="visible"/>
+                                      </p:to>
+                                    </p:set>
+                                  </p:childTnLst>
+                                </p:cTn>
+                              </p:par>
+                            </p:childTnLst>
+                          </p:cTn>
+                        </p:par>
+                      </p:childTnLst>
+                    </p:cTn>
+                  </p:par>
+                  <p:par>
+                    <p:cTn id="7" fill="hold">
+                      <p:stCondLst>
+                        <p:cond delay="indefinite"/>
+                      </p:stCondLst>
+                      <p:childTnLst>
+                        <p:par>
+                          <p:cTn id="8" fill="hold">
+                            <p:stCondLst>
+                              <p:cond delay="0"/>
+                            </p:stCondLst>
+                            <p:childTnLst>
+                              <p:par>
+                                <p:cTn id="9" presetID="1" presetClass="entr" presetSubtype="0" fill="hold" nodeType="clickEffect">
+                                  <p:stCondLst>
+                                    <p:cond delay="0"/>
+                                  </p:stCondLst>
+                                  <p:childTnLst>
+                                    <p:set>
+                                      <p:cBhvr>
+                                        <p:cTn id="10" dur="1" fill="hold">
+                                          <p:stCondLst>
+                                            <p:cond delay="0"/>
+                                          </p:stCondLst>
+                                        </p:cTn>
+                                        <p:tgtEl>
+                                          <p:spTgt spid="3">
+                                            <p:txEl>
+                                              <p:pRg st="2" end="2"/>
+                                            </p:txEl>
+                                          </p:spTgt>
+                                        </p:tgtEl>
+                                        <p:attrNameLst>
+                                          <p:attrName>style.visibility</p:attrName>
+                                        </p:attrNameLst>
+                                      </p:cBhvr>
+                                      <p:to>
+                                        <p:strVal val="visible"/>
+                                      </p:to>
+                                    </p:set>
+                                  </p:childTnLst>
+                                </p:cTn>
+                              </p:par>
+                            </p:childTnLst>
+                          </p:cTn>
+                        </p:par>
+                      </p:childTnLst>
+                    </p:cTn>
+                  </p:par>
+                  <p:par>
+                    <p:cTn id="11" fill="hold">
+                      <p:stCondLst>
+                        <p:cond delay="indefinite"/>
+                      </p:stCondLst>
+                      <p:childTnLst>
+                        <p:par>
+                          <p:cTn id="12" fill="hold">
+                            <p:stCondLst>
+                              <p:cond delay="0"/>
+                            </p:stCondLst>
+                            <p:childTnLst>
+                              <p:par>
+                                <p:cTn id="13" presetID="1" presetClass="entr" presetSubtype="0" fill="hold" grpId="0" nodeType="clickEffect">
+                                  <p:stCondLst>
+                                    <p:cond delay="0"/>
+                                  </p:stCondLst>
+                                  <p:childTnLst>
+                                    <p:set>
+                                      <p:cBhvr>
+                                        <p:cTn id="14" dur="1" fill="hold">
+                                          <p:stCondLst>
+                                            <p:cond delay="0"/>
+                                          </p:stCondLst>
+                                        </p:cTn>
+                                        <p:tgtEl>
+                                          <p:spTgt spid="5"/>
+                                        </p:tgtEl>
+                                        <p:attrNameLst>
+                                          <p:attrName>style.visibility</p:attrName>
+                                        </p:attrNameLst>
+                                      </p:cBhvr>
+                                      <p:to>
+                                        <p:strVal val="visible"/>
+                                      </p:to>
+                                    </p:set>
+                                  </p:childTnLst>
+                                </p:cTn>
+                              </p:par>
+                            </p:childTnLst>
+                          </p:cTn>
+                        </p:par>
+                      </p:childTnLst>
+                    </p:cTn>
+                  </p:par>
+                  <p:par>
+                    <p:cTn id="15" fill="hold">
+                      <p:stCondLst>
+                        <p:cond delay="indefinite"/>
+                      </p:stCondLst>
+                      <p:childTnLst>
+                        <p:par>
+                          <p:cTn id="16" fill="hold">
+                            <p:stCondLst>
+                              <p:cond delay="0"/>
+                            </p:stCondLst>
+                            <p:childTnLst>
+                              <p:par>
+                                <p:cTn id="17" presetID="1" presetClass="entr" presetSubtype="0" fill="hold" grpId="0" nodeType="clickEffect">
+                                  <p:stCondLst>
+                                    <p:cond delay="0"/>
+                                  </p:stCondLst>
+                                  <p:childTnLst>
+                                    <p:set>
+                                      <p:cBhvr>
+                                        <p:cTn id="18" dur="1" fill="hold">
+                                          <p:stCondLst>
+                                            <p:cond delay="0"/>
+                                          </p:stCondLst>
+                                        </p:cTn>
+                                        <p:tgtEl>
+                                          <p:spTgt spid="7"/>
+                                        </p:tgtEl>
+                                        <p:attrNameLst>
+                                          <p:attrName>style.visibility</p:attrName>
+                                        </p:attrNameLst>
+                                      </p:cBhvr>
+                                      <p:to>
+                                        <p:strVal val="visible"/>
+                                      </p:to>
+                                    </p:set>
+                                  </p:childTnLst>
+                                </p:cTn>
+                              </p:par>
+                            </p:childTnLst>
+                          </p:cTn>
+                        </p:par>
+                      </p:childTnLst>
+                    </p:cTn>
+                  </p:par>
+                </p:childTnLst>
+              </p:cTn>
+              <p:prevCondLst>
+                <p:cond evt="onPrev" delay="0">
+                  <p:tgtEl>
+                    <p:sldTgt/>
+                  </p:tgtEl>
+                </p:cond>
+              </p:prevCondLst>
+              <p:nextCondLst>
+                <p:cond evt="onNext" delay="0">
+                  <p:tgtEl>
+                    <p:sldTgt/>
+                  </p:tgtEl>
+                </p:cond>
+              </p:nextCondLst>
+            </p:seq>
+          </p:childTnLst>
+        </p:cTn>
+      </p:par>
+    </p:tnLst>
+    <p:bldLst>
+      <p:bldP spid="5" grpId="0" animBg="1"/>
+      <p:bldP spid="7" grpId="0"/>
+    </p:bldLst>
+  </p:timing>
 </p:sld>
 </file>
 
